--- a/static/ekon/week10/index.pptx
+++ b/static/ekon/week10/index.pptx
@@ -49,6 +49,10 @@
     <p:sldId id="297" r:id="rId43"/>
     <p:sldId id="298" r:id="rId44"/>
     <p:sldId id="299" r:id="rId45"/>
+    <p:sldId id="300" r:id="rId46"/>
+    <p:sldId id="301" r:id="rId47"/>
+    <p:sldId id="302" r:id="rId48"/>
+    <p:sldId id="303" r:id="rId49"/>
   </p:sldIdLst>
   <p:sldSz cx="9144000" cy="5143500" type="screen16x9"/>
   <p:notesSz cx="6858000" cy="9144000"/>
@@ -3221,62 +3225,6 @@
           <a:chExt cx="0" cy="0"/>
         </a:xfrm>
       </p:grpSpPr>
-      <p:sp>
-        <p:nvSpPr>
-          <p:cNvPr id="3" name="Content Placeholder 2"/>
-          <p:cNvSpPr>
-            <a:spLocks noGrp="1"/>
-          </p:cNvSpPr>
-          <p:nvPr>
-            <p:ph idx="1"/>
-          </p:nvPr>
-        </p:nvSpPr>
-        <p:spPr/>
-        <p:txBody>
-          <a:bodyPr/>
-          <a:lstStyle/>
-          <a:p>
-            <a:pPr lvl="0" indent="0" marL="0">
-              <a:spcBef>
-                <a:spcPts val="3000"/>
-              </a:spcBef>
-              <a:buNone/>
-            </a:pPr>
-            <a:r>
-              <a:rPr b="1"/>
-              <a:t>Convergence theorem</a:t>
-            </a:r>
-          </a:p>
-          <a:p>
-            <a:pPr lvl="0"/>
-            <a:r>
-              <a:rPr/>
-              <a:t>Convergence theorem states that poorer countries will catch-up to advance countries living standard.</a:t>
-            </a:r>
-          </a:p>
-          <a:p>
-            <a:pPr lvl="1"/>
-            <a:r>
-              <a:rPr/>
-              <a:t>Countries with lower starting capital theoretically grow faster.</a:t>
-            </a:r>
-          </a:p>
-          <a:p>
-            <a:pPr lvl="1"/>
-            <a:r>
-              <a:rPr/>
-              <a:t>free flow of capital helps advance countries’ capital to flow to developing countries looking for growth.</a:t>
-            </a:r>
-          </a:p>
-          <a:p>
-            <a:pPr lvl="0"/>
-            <a:r>
-              <a:rPr/>
-              <a:t>Does convergence theorem applies in the real world?</a:t>
-            </a:r>
-          </a:p>
-        </p:txBody>
-      </p:sp>
     </p:spTree>
   </p:cSld>
 </p:sld>
@@ -3301,12 +3249,12 @@
       </p:grpSpPr>
       <p:sp>
         <p:nvSpPr>
-          <p:cNvPr id="4" name="Text Placeholder 3"/>
-          <p:cNvSpPr>
-            <a:spLocks noGrp="1"/>
-          </p:cNvSpPr>
-          <p:nvPr>
-            <p:ph idx="2" sz="half" type="body"/>
+          <p:cNvPr id="2" name="Title 1"/>
+          <p:cNvSpPr>
+            <a:spLocks noGrp="1"/>
+          </p:cNvSpPr>
+          <p:nvPr>
+            <p:ph type="title"/>
           </p:nvPr>
         </p:nvSpPr>
         <p:spPr/>
@@ -3315,57 +3263,73 @@
           <a:lstStyle/>
           <a:p>
             <a:pPr lvl="0" indent="0" marL="0">
-              <a:spcBef>
-                <a:spcPts val="3000"/>
-              </a:spcBef>
               <a:buNone/>
             </a:pPr>
             <a:r>
-              <a:rPr b="1"/>
-              <a:t>East asian convergence</a:t>
-            </a:r>
-          </a:p>
-          <a:p>
-            <a:pPr lvl="0" indent="0" marL="0">
-              <a:buNone/>
-            </a:pPr>
-            <a:r>
-              <a:rPr/>
-              <a:t>Japan caught up in 90s, Singapore in post-GFC</a:t>
-            </a:r>
-          </a:p>
-        </p:txBody>
-      </p:sp>
-      <p:pic>
-        <p:nvPicPr>
-          <p:cNvPr descr="index_files/figure-pptx/converge1-1.png" id="0" name="Picture 1"/>
-          <p:cNvPicPr>
-            <a:picLocks noGrp="1" noChangeAspect="1"/>
-          </p:cNvPicPr>
-          <p:nvPr/>
-        </p:nvPicPr>
-        <p:blipFill>
-          <a:blip r:embed="rId2"/>
-          <a:stretch>
-            <a:fillRect/>
-          </a:stretch>
-        </p:blipFill>
-        <p:spPr bwMode="auto">
-          <a:xfrm>
-            <a:off x="3568700" y="990600"/>
-            <a:ext cx="5105400" cy="2806700"/>
-          </a:xfrm>
-          <a:prstGeom prst="rect">
-            <a:avLst/>
-          </a:prstGeom>
-          <a:noFill/>
-          <a:ln w="9525">
-            <a:noFill/>
-            <a:headEnd/>
-            <a:tailEnd/>
-          </a:ln>
-        </p:spPr>
-      </p:pic>
+              <a:rPr/>
+              <a:t>Diminishing returns</a:t>
+            </a:r>
+          </a:p>
+        </p:txBody>
+      </p:sp>
+      <p:sp>
+        <p:nvSpPr>
+          <p:cNvPr id="3" name="Content Placeholder 2"/>
+          <p:cNvSpPr>
+            <a:spLocks noGrp="1"/>
+          </p:cNvSpPr>
+          <p:nvPr>
+            <p:ph idx="1"/>
+          </p:nvPr>
+        </p:nvSpPr>
+        <p:spPr/>
+        <p:txBody>
+          <a:bodyPr/>
+          <a:lstStyle/>
+          <a:p>
+            <a:pPr lvl="0"/>
+            <a:r>
+              <a:rPr/>
+              <a:t>Remember our discussion on firm’s cost: capital induce decreasing returns!</a:t>
+            </a:r>
+          </a:p>
+          <a:p>
+            <a:pPr lvl="1"/>
+            <a:r>
+              <a:rPr/>
+              <a:t>As we increase capital, the gain is lower.</a:t>
+            </a:r>
+          </a:p>
+          <a:p>
+            <a:pPr lvl="0"/>
+            <a:r>
+              <a:rPr/>
+              <a:t>Back to our farmer example:</a:t>
+            </a:r>
+          </a:p>
+          <a:p>
+            <a:pPr lvl="1"/>
+            <a:r>
+              <a:rPr/>
+              <a:t>Having one additional tractor from zero tractor will greatly increase productivity.</a:t>
+            </a:r>
+          </a:p>
+          <a:p>
+            <a:pPr lvl="1"/>
+            <a:r>
+              <a:rPr/>
+              <a:t>Adding a second tractor may not be as useful in increasing productivity as the first one.</a:t>
+            </a:r>
+          </a:p>
+          <a:p>
+            <a:pPr lvl="0"/>
+            <a:r>
+              <a:rPr/>
+              <a:t>In a micro-perspective, the farmer may invest in something else instead of buying another tractor.</a:t>
+            </a:r>
+          </a:p>
+        </p:txBody>
+      </p:sp>
     </p:spTree>
   </p:cSld>
 </p:sld>
@@ -3390,12 +3354,12 @@
       </p:grpSpPr>
       <p:sp>
         <p:nvSpPr>
-          <p:cNvPr id="4" name="Text Placeholder 3"/>
-          <p:cNvSpPr>
-            <a:spLocks noGrp="1"/>
-          </p:cNvSpPr>
-          <p:nvPr>
-            <p:ph idx="2" sz="half" type="body"/>
+          <p:cNvPr id="2" name="Title 1"/>
+          <p:cNvSpPr>
+            <a:spLocks noGrp="1"/>
+          </p:cNvSpPr>
+          <p:nvPr>
+            <p:ph type="title"/>
           </p:nvPr>
         </p:nvSpPr>
         <p:spPr/>
@@ -3404,65 +3368,77 @@
           <a:lstStyle/>
           <a:p>
             <a:pPr lvl="0" indent="0" marL="0">
-              <a:spcBef>
-                <a:spcPts val="3000"/>
-              </a:spcBef>
               <a:buNone/>
             </a:pPr>
             <a:r>
+              <a:rPr/>
+              <a:t>Diminishing returns</a:t>
+            </a:r>
+          </a:p>
+        </p:txBody>
+      </p:sp>
+      <p:sp>
+        <p:nvSpPr>
+          <p:cNvPr id="3" name="Content Placeholder 2"/>
+          <p:cNvSpPr>
+            <a:spLocks noGrp="1"/>
+          </p:cNvSpPr>
+          <p:nvPr>
+            <p:ph idx="1"/>
+          </p:nvPr>
+        </p:nvSpPr>
+        <p:spPr/>
+        <p:txBody>
+          <a:bodyPr/>
+          <a:lstStyle/>
+          <a:p>
+            <a:pPr lvl="0"/>
+            <a:r>
+              <a:rPr/>
+              <a:t>However, in macro perspective, a country will eventually running out place to invest in.</a:t>
+            </a:r>
+          </a:p>
+          <a:p>
+            <a:pPr lvl="0"/>
+            <a:r>
+              <a:rPr/>
+              <a:t>The returns to additional physical capital is diminishing as a country grows its capital stock.</a:t>
+            </a:r>
+          </a:p>
+          <a:p>
+            <a:pPr lvl="0"/>
+            <a:r>
+              <a:rPr/>
+              <a:t>Education is the same: the number of educated citizen can only increase so much.</a:t>
+            </a:r>
+          </a:p>
+          <a:p>
+            <a:pPr lvl="0"/>
+            <a:r>
+              <a:rPr/>
+              <a:t>At the same time, technological advancement can be transferred in some ways.</a:t>
+            </a:r>
+          </a:p>
+          <a:p>
+            <a:pPr lvl="1"/>
+            <a:r>
+              <a:rPr/>
+              <a:t>Being a follower actually helps in this case!</a:t>
+            </a:r>
+          </a:p>
+          <a:p>
+            <a:pPr lvl="0"/>
+            <a:r>
+              <a:rPr/>
+              <a:t>This leads to the </a:t>
+            </a:r>
+            <a:r>
               <a:rPr b="1"/>
-              <a:t>South-east Asia not-so-converging?</a:t>
-            </a:r>
-          </a:p>
-          <a:p>
-            <a:pPr lvl="0" indent="0" marL="0">
-              <a:buNone/>
-            </a:pPr>
-            <a:r>
-              <a:rPr/>
-              <a:t>On the contrary, there’s </a:t>
-            </a:r>
-            <a:r>
-              <a:rPr b="1"/>
-              <a:t>divergence</a:t>
-            </a:r>
-            <a:r>
-              <a:rPr/>
-              <a:t> in ASEAN. Why?</a:t>
-            </a:r>
-          </a:p>
-        </p:txBody>
-      </p:sp>
-      <p:pic>
-        <p:nvPicPr>
-          <p:cNvPr descr="index_files/figure-pptx/converge2-1.png" id="0" name="Picture 1"/>
-          <p:cNvPicPr>
-            <a:picLocks noGrp="1" noChangeAspect="1"/>
-          </p:cNvPicPr>
-          <p:nvPr/>
-        </p:nvPicPr>
-        <p:blipFill>
-          <a:blip r:embed="rId2"/>
-          <a:stretch>
-            <a:fillRect/>
-          </a:stretch>
-        </p:blipFill>
-        <p:spPr bwMode="auto">
-          <a:xfrm>
-            <a:off x="3568700" y="990600"/>
-            <a:ext cx="5105400" cy="2806700"/>
-          </a:xfrm>
-          <a:prstGeom prst="rect">
-            <a:avLst/>
-          </a:prstGeom>
-          <a:noFill/>
-          <a:ln w="9525">
-            <a:noFill/>
-            <a:headEnd/>
-            <a:tailEnd/>
-          </a:ln>
-        </p:spPr>
-      </p:pic>
+              <a:t>convergence theorem</a:t>
+            </a:r>
+          </a:p>
+        </p:txBody>
+      </p:sp>
     </p:spTree>
   </p:cSld>
 </p:sld>
@@ -3487,6 +3463,31 @@
       </p:grpSpPr>
       <p:sp>
         <p:nvSpPr>
+          <p:cNvPr id="2" name="Title 1"/>
+          <p:cNvSpPr>
+            <a:spLocks noGrp="1"/>
+          </p:cNvSpPr>
+          <p:nvPr>
+            <p:ph type="title"/>
+          </p:nvPr>
+        </p:nvSpPr>
+        <p:spPr/>
+        <p:txBody>
+          <a:bodyPr/>
+          <a:lstStyle/>
+          <a:p>
+            <a:pPr lvl="0" indent="0" marL="0">
+              <a:buNone/>
+            </a:pPr>
+            <a:r>
+              <a:rPr/>
+              <a:t>Convergence theorem</a:t>
+            </a:r>
+          </a:p>
+        </p:txBody>
+      </p:sp>
+      <p:sp>
+        <p:nvSpPr>
           <p:cNvPr id="3" name="Content Placeholder 2"/>
           <p:cNvSpPr>
             <a:spLocks noGrp="1"/>
@@ -3500,71 +3501,31 @@
           <a:bodyPr/>
           <a:lstStyle/>
           <a:p>
-            <a:pPr lvl="0" indent="0" marL="0">
-              <a:spcBef>
-                <a:spcPts val="3000"/>
-              </a:spcBef>
-              <a:buNone/>
-            </a:pPr>
-            <a:r>
-              <a:rPr b="1"/>
-              <a:t>Why growth rate differs?</a:t>
-            </a:r>
-          </a:p>
-          <a:p>
-            <a:pPr lvl="0" indent="0" marL="0">
-              <a:spcBef>
-                <a:spcPts val="3000"/>
-              </a:spcBef>
-              <a:buNone/>
-            </a:pPr>
-            <a:r>
-              <a:rPr b="1"/>
-              <a:t>Saving and investment spending</a:t>
-            </a:r>
-          </a:p>
-          <a:p>
             <a:pPr lvl="0"/>
             <a:r>
               <a:rPr/>
-              <a:t>Some countries accumulate capital much faster than others. Where’s the money come from?</a:t>
+              <a:t>Convergence theorem states that poorer countries will catch-up to advance countries living standard.</a:t>
             </a:r>
           </a:p>
           <a:p>
             <a:pPr lvl="1"/>
             <a:r>
-              <a:rPr b="1"/>
-              <a:t>Domestic saving</a:t>
-            </a:r>
-            <a:r>
-              <a:rPr/>
-              <a:t>. Japan, China and Singapore’s saving rate was high during their high growth time.</a:t>
+              <a:rPr/>
+              <a:t>Countries with lower starting capital theoretically grow faster.</a:t>
             </a:r>
           </a:p>
           <a:p>
             <a:pPr lvl="1"/>
             <a:r>
-              <a:rPr b="1"/>
-              <a:t>Foreign saving</a:t>
-            </a:r>
-            <a:r>
-              <a:rPr/>
-              <a:t>. Or in other words, other country’s saving.</a:t>
+              <a:rPr/>
+              <a:t>free flow of capital helps advance countries’ capital to flow to developing countries looking for growth.</a:t>
             </a:r>
           </a:p>
           <a:p>
             <a:pPr lvl="0"/>
             <a:r>
               <a:rPr/>
-              <a:t>While foreign investment definitely helps, many high-performing investing countries start with high </a:t>
-            </a:r>
-            <a:r>
-              <a:rPr b="1"/>
-              <a:t>domesting saving</a:t>
-            </a:r>
-            <a:r>
-              <a:rPr/>
-              <a:t>.</a:t>
+              <a:t>Does convergence theorem applies in the real world?</a:t>
             </a:r>
           </a:p>
         </p:txBody>
@@ -3614,7 +3575,7 @@
             </a:pPr>
             <a:r>
               <a:rPr b="1"/>
-              <a:t>Saving rate in ASEAN (and China)</a:t>
+              <a:t>East asian convergence</a:t>
             </a:r>
           </a:p>
           <a:p>
@@ -3623,14 +3584,14 @@
             </a:pPr>
             <a:r>
               <a:rPr/>
-              <a:t>Indonesian save less compared to peers</a:t>
+              <a:t>Japan caught up in 90s, Singapore in post-GFC</a:t>
             </a:r>
           </a:p>
         </p:txBody>
       </p:sp>
       <p:pic>
         <p:nvPicPr>
-          <p:cNvPr descr="index_files/figure-pptx/saving1-1.png" id="0" name="Picture 1"/>
+          <p:cNvPr descr="index_files/figure-pptx/converge1-1.png" id="0" name="Picture 1"/>
           <p:cNvPicPr>
             <a:picLocks noGrp="1" noChangeAspect="1"/>
           </p:cNvPicPr>
@@ -3703,6 +3664,311 @@
             </a:pPr>
             <a:r>
               <a:rPr b="1"/>
+              <a:t>South-east Asia not-so-converging?</a:t>
+            </a:r>
+          </a:p>
+          <a:p>
+            <a:pPr lvl="0" indent="0" marL="0">
+              <a:buNone/>
+            </a:pPr>
+            <a:r>
+              <a:rPr/>
+              <a:t>On the contrary, there’s </a:t>
+            </a:r>
+            <a:r>
+              <a:rPr b="1"/>
+              <a:t>divergence</a:t>
+            </a:r>
+            <a:r>
+              <a:rPr/>
+              <a:t> in ASEAN. Why?</a:t>
+            </a:r>
+          </a:p>
+        </p:txBody>
+      </p:sp>
+      <p:pic>
+        <p:nvPicPr>
+          <p:cNvPr descr="index_files/figure-pptx/converge2-1.png" id="0" name="Picture 1"/>
+          <p:cNvPicPr>
+            <a:picLocks noGrp="1" noChangeAspect="1"/>
+          </p:cNvPicPr>
+          <p:nvPr/>
+        </p:nvPicPr>
+        <p:blipFill>
+          <a:blip r:embed="rId2"/>
+          <a:stretch>
+            <a:fillRect/>
+          </a:stretch>
+        </p:blipFill>
+        <p:spPr bwMode="auto">
+          <a:xfrm>
+            <a:off x="3568700" y="990600"/>
+            <a:ext cx="5105400" cy="2806700"/>
+          </a:xfrm>
+          <a:prstGeom prst="rect">
+            <a:avLst/>
+          </a:prstGeom>
+          <a:noFill/>
+          <a:ln w="9525">
+            <a:noFill/>
+            <a:headEnd/>
+            <a:tailEnd/>
+          </a:ln>
+        </p:spPr>
+      </p:pic>
+    </p:spTree>
+  </p:cSld>
+</p:sld>
+</file>
+
+<file path=ppt/slides/slide16.xml><?xml version="1.0" encoding="utf-8"?>
+<p:sld xmlns:a="http://schemas.openxmlformats.org/drawingml/2006/main" xmlns:r="http://schemas.openxmlformats.org/officeDocument/2006/relationships" xmlns:p="http://schemas.openxmlformats.org/presentationml/2006/main">
+  <p:cSld>
+    <p:spTree>
+      <p:nvGrpSpPr>
+        <p:cNvPr id="1" name=""/>
+        <p:cNvGrpSpPr/>
+        <p:nvPr/>
+      </p:nvGrpSpPr>
+      <p:grpSpPr>
+        <a:xfrm>
+          <a:off x="0" y="0"/>
+          <a:ext cx="0" cy="0"/>
+          <a:chOff x="0" y="0"/>
+          <a:chExt cx="0" cy="0"/>
+        </a:xfrm>
+      </p:grpSpPr>
+      <p:sp>
+        <p:nvSpPr>
+          <p:cNvPr id="2" name="Title 1"/>
+          <p:cNvSpPr>
+            <a:spLocks noGrp="1"/>
+          </p:cNvSpPr>
+          <p:nvPr>
+            <p:ph type="title"/>
+          </p:nvPr>
+        </p:nvSpPr>
+        <p:spPr/>
+        <p:txBody>
+          <a:bodyPr/>
+          <a:lstStyle/>
+          <a:p>
+            <a:pPr lvl="0" indent="0" marL="0">
+              <a:buNone/>
+            </a:pPr>
+            <a:r>
+              <a:rPr/>
+              <a:t>Why growth rate differs?</a:t>
+            </a:r>
+          </a:p>
+        </p:txBody>
+      </p:sp>
+      <p:sp>
+        <p:nvSpPr>
+          <p:cNvPr id="3" name="Content Placeholder 2"/>
+          <p:cNvSpPr>
+            <a:spLocks noGrp="1"/>
+          </p:cNvSpPr>
+          <p:nvPr>
+            <p:ph idx="1"/>
+          </p:nvPr>
+        </p:nvSpPr>
+        <p:spPr/>
+        <p:txBody>
+          <a:bodyPr/>
+          <a:lstStyle/>
+          <a:p>
+            <a:pPr lvl="0" indent="0" marL="0">
+              <a:spcBef>
+                <a:spcPts val="3000"/>
+              </a:spcBef>
+              <a:buNone/>
+            </a:pPr>
+            <a:r>
+              <a:rPr b="1"/>
+              <a:t>Saving and investment spending</a:t>
+            </a:r>
+          </a:p>
+          <a:p>
+            <a:pPr lvl="0"/>
+            <a:r>
+              <a:rPr/>
+              <a:t>Some countries accumulate capital much faster than others. Where’s the money come from?</a:t>
+            </a:r>
+          </a:p>
+          <a:p>
+            <a:pPr lvl="1"/>
+            <a:r>
+              <a:rPr b="1"/>
+              <a:t>Domestic saving</a:t>
+            </a:r>
+            <a:r>
+              <a:rPr/>
+              <a:t>. Japan, China and Singapore’s saving rate was high during their high growth time.</a:t>
+            </a:r>
+          </a:p>
+          <a:p>
+            <a:pPr lvl="1"/>
+            <a:r>
+              <a:rPr b="1"/>
+              <a:t>Foreign saving</a:t>
+            </a:r>
+            <a:r>
+              <a:rPr/>
+              <a:t>. Or in other words, other country’s saving.</a:t>
+            </a:r>
+          </a:p>
+          <a:p>
+            <a:pPr lvl="0"/>
+            <a:r>
+              <a:rPr/>
+              <a:t>While foreign investment definitely helps, many high-performing investing countries start with high </a:t>
+            </a:r>
+            <a:r>
+              <a:rPr b="1"/>
+              <a:t>domesting saving</a:t>
+            </a:r>
+            <a:r>
+              <a:rPr/>
+              <a:t>.</a:t>
+            </a:r>
+          </a:p>
+        </p:txBody>
+      </p:sp>
+    </p:spTree>
+  </p:cSld>
+</p:sld>
+</file>
+
+<file path=ppt/slides/slide17.xml><?xml version="1.0" encoding="utf-8"?>
+<p:sld xmlns:a="http://schemas.openxmlformats.org/drawingml/2006/main" xmlns:r="http://schemas.openxmlformats.org/officeDocument/2006/relationships" xmlns:p="http://schemas.openxmlformats.org/presentationml/2006/main">
+  <p:cSld>
+    <p:spTree>
+      <p:nvGrpSpPr>
+        <p:cNvPr id="1" name=""/>
+        <p:cNvGrpSpPr/>
+        <p:nvPr/>
+      </p:nvGrpSpPr>
+      <p:grpSpPr>
+        <a:xfrm>
+          <a:off x="0" y="0"/>
+          <a:ext cx="0" cy="0"/>
+          <a:chOff x="0" y="0"/>
+          <a:chExt cx="0" cy="0"/>
+        </a:xfrm>
+      </p:grpSpPr>
+      <p:sp>
+        <p:nvSpPr>
+          <p:cNvPr id="4" name="Text Placeholder 3"/>
+          <p:cNvSpPr>
+            <a:spLocks noGrp="1"/>
+          </p:cNvSpPr>
+          <p:nvPr>
+            <p:ph idx="2" sz="half" type="body"/>
+          </p:nvPr>
+        </p:nvSpPr>
+        <p:spPr/>
+        <p:txBody>
+          <a:bodyPr/>
+          <a:lstStyle/>
+          <a:p>
+            <a:pPr lvl="0" indent="0" marL="0">
+              <a:spcBef>
+                <a:spcPts val="3000"/>
+              </a:spcBef>
+              <a:buNone/>
+            </a:pPr>
+            <a:r>
+              <a:rPr b="1"/>
+              <a:t>Saving rate in ASEAN (and China)</a:t>
+            </a:r>
+          </a:p>
+          <a:p>
+            <a:pPr lvl="0" indent="0" marL="0">
+              <a:buNone/>
+            </a:pPr>
+            <a:r>
+              <a:rPr/>
+              <a:t>Indonesian save less compared to peers</a:t>
+            </a:r>
+          </a:p>
+        </p:txBody>
+      </p:sp>
+      <p:pic>
+        <p:nvPicPr>
+          <p:cNvPr descr="index_files/figure-pptx/saving1-1.png" id="0" name="Picture 1"/>
+          <p:cNvPicPr>
+            <a:picLocks noGrp="1" noChangeAspect="1"/>
+          </p:cNvPicPr>
+          <p:nvPr/>
+        </p:nvPicPr>
+        <p:blipFill>
+          <a:blip r:embed="rId2"/>
+          <a:stretch>
+            <a:fillRect/>
+          </a:stretch>
+        </p:blipFill>
+        <p:spPr bwMode="auto">
+          <a:xfrm>
+            <a:off x="3568700" y="990600"/>
+            <a:ext cx="5105400" cy="2806700"/>
+          </a:xfrm>
+          <a:prstGeom prst="rect">
+            <a:avLst/>
+          </a:prstGeom>
+          <a:noFill/>
+          <a:ln w="9525">
+            <a:noFill/>
+            <a:headEnd/>
+            <a:tailEnd/>
+          </a:ln>
+        </p:spPr>
+      </p:pic>
+    </p:spTree>
+  </p:cSld>
+</p:sld>
+</file>
+
+<file path=ppt/slides/slide18.xml><?xml version="1.0" encoding="utf-8"?>
+<p:sld xmlns:a="http://schemas.openxmlformats.org/drawingml/2006/main" xmlns:r="http://schemas.openxmlformats.org/officeDocument/2006/relationships" xmlns:p="http://schemas.openxmlformats.org/presentationml/2006/main">
+  <p:cSld>
+    <p:spTree>
+      <p:nvGrpSpPr>
+        <p:cNvPr id="1" name=""/>
+        <p:cNvGrpSpPr/>
+        <p:nvPr/>
+      </p:nvGrpSpPr>
+      <p:grpSpPr>
+        <a:xfrm>
+          <a:off x="0" y="0"/>
+          <a:ext cx="0" cy="0"/>
+          <a:chOff x="0" y="0"/>
+          <a:chExt cx="0" cy="0"/>
+        </a:xfrm>
+      </p:grpSpPr>
+      <p:sp>
+        <p:nvSpPr>
+          <p:cNvPr id="4" name="Text Placeholder 3"/>
+          <p:cNvSpPr>
+            <a:spLocks noGrp="1"/>
+          </p:cNvSpPr>
+          <p:nvPr>
+            <p:ph idx="2" sz="half" type="body"/>
+          </p:nvPr>
+        </p:nvSpPr>
+        <p:spPr/>
+        <p:txBody>
+          <a:bodyPr/>
+          <a:lstStyle/>
+          <a:p>
+            <a:pPr lvl="0" indent="0" marL="0">
+              <a:spcBef>
+                <a:spcPts val="3000"/>
+              </a:spcBef>
+              <a:buNone/>
+            </a:pPr>
+            <a:r>
+              <a:rPr b="1"/>
               <a:t>Saving rate in ASEAN (and China)</a:t>
             </a:r>
           </a:p>
@@ -3752,348 +4018,6 @@
 </p:sld>
 </file>
 
-<file path=ppt/slides/slide16.xml><?xml version="1.0" encoding="utf-8"?>
-<p:sld xmlns:a="http://schemas.openxmlformats.org/drawingml/2006/main" xmlns:r="http://schemas.openxmlformats.org/officeDocument/2006/relationships" xmlns:p="http://schemas.openxmlformats.org/presentationml/2006/main">
-  <p:cSld>
-    <p:spTree>
-      <p:nvGrpSpPr>
-        <p:cNvPr id="1" name=""/>
-        <p:cNvGrpSpPr/>
-        <p:nvPr/>
-      </p:nvGrpSpPr>
-      <p:grpSpPr>
-        <a:xfrm>
-          <a:off x="0" y="0"/>
-          <a:ext cx="0" cy="0"/>
-          <a:chOff x="0" y="0"/>
-          <a:chExt cx="0" cy="0"/>
-        </a:xfrm>
-      </p:grpSpPr>
-      <p:sp>
-        <p:nvSpPr>
-          <p:cNvPr id="3" name="Content Placeholder 2"/>
-          <p:cNvSpPr>
-            <a:spLocks noGrp="1"/>
-          </p:cNvSpPr>
-          <p:nvPr>
-            <p:ph idx="1"/>
-          </p:nvPr>
-        </p:nvSpPr>
-        <p:spPr/>
-        <p:txBody>
-          <a:bodyPr/>
-          <a:lstStyle/>
-          <a:p>
-            <a:pPr lvl="0" indent="0" marL="0">
-              <a:spcBef>
-                <a:spcPts val="3000"/>
-              </a:spcBef>
-              <a:buNone/>
-            </a:pPr>
-            <a:r>
-              <a:rPr b="1"/>
-              <a:t>Why growth rate differs?</a:t>
-            </a:r>
-          </a:p>
-          <a:p>
-            <a:pPr lvl="0" indent="0" marL="0">
-              <a:spcBef>
-                <a:spcPts val="3000"/>
-              </a:spcBef>
-              <a:buNone/>
-            </a:pPr>
-            <a:r>
-              <a:rPr b="1"/>
-              <a:t>Education</a:t>
-            </a:r>
-          </a:p>
-          <a:p>
-            <a:pPr lvl="0"/>
-            <a:r>
-              <a:rPr/>
-              <a:t>Some countries catch up with education very quickly, much more so than others.</a:t>
-            </a:r>
-          </a:p>
-          <a:p>
-            <a:pPr lvl="0" indent="0" marL="0">
-              <a:spcBef>
-                <a:spcPts val="3000"/>
-              </a:spcBef>
-              <a:buNone/>
-            </a:pPr>
-            <a:r>
-              <a:rPr b="1"/>
-              <a:t>Research and development</a:t>
-            </a:r>
-          </a:p>
-          <a:p>
-            <a:pPr lvl="0"/>
-            <a:r>
-              <a:rPr/>
-              <a:t>Semiconductor technology won’t be available without understanding of quantum mechanics theory in physics.</a:t>
-            </a:r>
-          </a:p>
-          <a:p>
-            <a:pPr lvl="0"/>
-            <a:r>
-              <a:rPr/>
-              <a:t>some countries are better at implementing these tech compared to others.</a:t>
-            </a:r>
-          </a:p>
-        </p:txBody>
-      </p:sp>
-    </p:spTree>
-  </p:cSld>
-</p:sld>
-</file>
-
-<file path=ppt/slides/slide17.xml><?xml version="1.0" encoding="utf-8"?>
-<p:sld xmlns:a="http://schemas.openxmlformats.org/drawingml/2006/main" xmlns:r="http://schemas.openxmlformats.org/officeDocument/2006/relationships" xmlns:p="http://schemas.openxmlformats.org/presentationml/2006/main">
-  <p:cSld>
-    <p:spTree>
-      <p:nvGrpSpPr>
-        <p:cNvPr id="1" name=""/>
-        <p:cNvGrpSpPr/>
-        <p:nvPr/>
-      </p:nvGrpSpPr>
-      <p:grpSpPr>
-        <a:xfrm>
-          <a:off x="0" y="0"/>
-          <a:ext cx="0" cy="0"/>
-          <a:chOff x="0" y="0"/>
-          <a:chExt cx="0" cy="0"/>
-        </a:xfrm>
-      </p:grpSpPr>
-      <p:sp>
-        <p:nvSpPr>
-          <p:cNvPr id="3" name="Content Placeholder 2"/>
-          <p:cNvSpPr>
-            <a:spLocks noGrp="1"/>
-          </p:cNvSpPr>
-          <p:nvPr>
-            <p:ph idx="1"/>
-          </p:nvPr>
-        </p:nvSpPr>
-        <p:spPr/>
-        <p:txBody>
-          <a:bodyPr/>
-          <a:lstStyle/>
-          <a:p>
-            <a:pPr lvl="0" indent="0" marL="0">
-              <a:spcBef>
-                <a:spcPts val="3000"/>
-              </a:spcBef>
-              <a:buNone/>
-            </a:pPr>
-            <a:r>
-              <a:rPr b="1"/>
-              <a:t>Why growth rate differs?</a:t>
-            </a:r>
-          </a:p>
-          <a:p>
-            <a:pPr lvl="0" indent="0" marL="0">
-              <a:spcBef>
-                <a:spcPts val="3000"/>
-              </a:spcBef>
-              <a:buNone/>
-            </a:pPr>
-            <a:r>
-              <a:rPr b="1"/>
-              <a:t>Government have big role</a:t>
-            </a:r>
-          </a:p>
-          <a:p>
-            <a:pPr lvl="0"/>
-            <a:r>
-              <a:rPr/>
-              <a:t>Government can speed up </a:t>
-            </a:r>
-            <a:r>
-              <a:rPr b="1"/>
-              <a:t>building high fixed cost capital</a:t>
-            </a:r>
-            <a:r>
-              <a:rPr/>
-              <a:t> such as electricity, internet, ports, roads and so on.</a:t>
-            </a:r>
-          </a:p>
-          <a:p>
-            <a:pPr lvl="0"/>
-            <a:r>
-              <a:rPr/>
-              <a:t>Government can also </a:t>
-            </a:r>
-            <a:r>
-              <a:rPr b="1"/>
-              <a:t>subsidize education and R&amp;D</a:t>
-            </a:r>
-            <a:r>
-              <a:rPr/>
-              <a:t> since it has positive externalities.</a:t>
-            </a:r>
-          </a:p>
-          <a:p>
-            <a:pPr lvl="0"/>
-            <a:r>
-              <a:rPr/>
-              <a:t>Maintaining a well-function financial system.</a:t>
-            </a:r>
-          </a:p>
-          <a:p>
-            <a:pPr lvl="0"/>
-            <a:r>
-              <a:rPr/>
-              <a:t>Protecting property rights and improve </a:t>
-            </a:r>
-            <a:r>
-              <a:rPr b="1"/>
-              <a:t>stability</a:t>
-            </a:r>
-            <a:r>
-              <a:rPr/>
-              <a:t> and good governance.</a:t>
-            </a:r>
-          </a:p>
-          <a:p>
-            <a:pPr lvl="0"/>
-            <a:r>
-              <a:rPr/>
-              <a:t>Devise environmentally friendly policy</a:t>
-            </a:r>
-          </a:p>
-        </p:txBody>
-      </p:sp>
-    </p:spTree>
-  </p:cSld>
-</p:sld>
-</file>
-
-<file path=ppt/slides/slide18.xml><?xml version="1.0" encoding="utf-8"?>
-<p:sld xmlns:a="http://schemas.openxmlformats.org/drawingml/2006/main" xmlns:r="http://schemas.openxmlformats.org/officeDocument/2006/relationships" xmlns:p="http://schemas.openxmlformats.org/presentationml/2006/main">
-  <p:cSld>
-    <p:spTree>
-      <p:nvGrpSpPr>
-        <p:cNvPr id="1" name=""/>
-        <p:cNvGrpSpPr/>
-        <p:nvPr/>
-      </p:nvGrpSpPr>
-      <p:grpSpPr>
-        <a:xfrm>
-          <a:off x="0" y="0"/>
-          <a:ext cx="0" cy="0"/>
-          <a:chOff x="0" y="0"/>
-          <a:chExt cx="0" cy="0"/>
-        </a:xfrm>
-      </p:grpSpPr>
-      <p:sp>
-        <p:nvSpPr>
-          <p:cNvPr id="3" name="Content Placeholder 2"/>
-          <p:cNvSpPr>
-            <a:spLocks noGrp="1"/>
-          </p:cNvSpPr>
-          <p:nvPr>
-            <p:ph idx="1"/>
-          </p:nvPr>
-        </p:nvSpPr>
-        <p:spPr/>
-        <p:txBody>
-          <a:bodyPr/>
-          <a:lstStyle/>
-          <a:p>
-            <a:pPr lvl="0" indent="0" marL="0">
-              <a:spcBef>
-                <a:spcPts val="3000"/>
-              </a:spcBef>
-              <a:buNone/>
-            </a:pPr>
-            <a:r>
-              <a:rPr b="1"/>
-              <a:t>AD-AS Framework</a:t>
-            </a:r>
-          </a:p>
-          <a:p>
-            <a:pPr lvl="0"/>
-            <a:r>
-              <a:rPr/>
-              <a:t>The AD-AS framework for macroeconomics is very similar with our perfect market framework in the first half.</a:t>
-            </a:r>
-          </a:p>
-          <a:p>
-            <a:pPr lvl="0"/>
-            <a:r>
-              <a:rPr/>
-              <a:t>We learned that demand curve is </a:t>
-            </a:r>
-            <a:r>
-              <a:rPr b="1"/>
-              <a:t>downward sloping</a:t>
-            </a:r>
-            <a:r>
-              <a:rPr/>
-              <a:t> , while supply curve is upward sloping.</a:t>
-            </a:r>
-          </a:p>
-          <a:p>
-            <a:pPr lvl="0"/>
-            <a:r>
-              <a:rPr/>
-              <a:t>The supply curve is a flat line in the </a:t>
-            </a:r>
-            <a:r>
-              <a:rPr b="1"/>
-              <a:t>long run</a:t>
-            </a:r>
-            <a:r>
-              <a:rPr/>
-              <a:t> because firms can adjust to demand in the long run by </a:t>
-            </a:r>
-            <a:r>
-              <a:rPr b="1"/>
-              <a:t>changing fixed cost</a:t>
-            </a:r>
-            <a:r>
-              <a:rPr/>
-              <a:t> and </a:t>
-            </a:r>
-            <a:r>
-              <a:rPr b="1"/>
-              <a:t>entering and exiting</a:t>
-            </a:r>
-            <a:r>
-              <a:rPr/>
-              <a:t> the market.</a:t>
-            </a:r>
-          </a:p>
-          <a:p>
-            <a:pPr lvl="0"/>
-            <a:r>
-              <a:rPr/>
-              <a:t>In AD-AS framework, there are a little bit of difference: it is representing </a:t>
-            </a:r>
-            <a:r>
-              <a:rPr b="1"/>
-              <a:t>not one market</a:t>
-            </a:r>
-            <a:r>
-              <a:rPr/>
-              <a:t>, but every market in </a:t>
-            </a:r>
-            <a:r>
-              <a:rPr b="1"/>
-              <a:t>a country</a:t>
-            </a:r>
-            <a:r>
-              <a:rPr/>
-              <a:t>.</a:t>
-            </a:r>
-          </a:p>
-        </p:txBody>
-      </p:sp>
-    </p:spTree>
-  </p:cSld>
-</p:sld>
-</file>
-
 <file path=ppt/slides/slide19.xml><?xml version="1.0" encoding="utf-8"?>
 <p:sld xmlns:a="http://schemas.openxmlformats.org/drawingml/2006/main" xmlns:r="http://schemas.openxmlformats.org/officeDocument/2006/relationships" xmlns:p="http://schemas.openxmlformats.org/presentationml/2006/main">
   <p:cSld>
@@ -4113,6 +4037,31 @@
       </p:grpSpPr>
       <p:sp>
         <p:nvSpPr>
+          <p:cNvPr id="2" name="Title 1"/>
+          <p:cNvSpPr>
+            <a:spLocks noGrp="1"/>
+          </p:cNvSpPr>
+          <p:nvPr>
+            <p:ph type="title"/>
+          </p:nvPr>
+        </p:nvSpPr>
+        <p:spPr/>
+        <p:txBody>
+          <a:bodyPr/>
+          <a:lstStyle/>
+          <a:p>
+            <a:pPr lvl="0" indent="0" marL="0">
+              <a:buNone/>
+            </a:pPr>
+            <a:r>
+              <a:rPr/>
+              <a:t>Why growth rate differs?</a:t>
+            </a:r>
+          </a:p>
+        </p:txBody>
+      </p:sp>
+      <p:sp>
+        <p:nvSpPr>
           <p:cNvPr id="3" name="Content Placeholder 2"/>
           <p:cNvSpPr>
             <a:spLocks noGrp="1"/>
@@ -4134,66 +4083,40 @@
             </a:pPr>
             <a:r>
               <a:rPr b="1"/>
-              <a:t>AD-AS Framework</a:t>
+              <a:t>Education</a:t>
             </a:r>
           </a:p>
           <a:p>
             <a:pPr lvl="0"/>
             <a:r>
               <a:rPr/>
-              <a:t>In the market framework, y-axis is the price level while x-axis is the quantity produced and consumed.</a:t>
+              <a:t>Some countries catch up with education very quickly, much more so than others.</a:t>
+            </a:r>
+          </a:p>
+          <a:p>
+            <a:pPr lvl="0" indent="0" marL="0">
+              <a:spcBef>
+                <a:spcPts val="3000"/>
+              </a:spcBef>
+              <a:buNone/>
+            </a:pPr>
+            <a:r>
+              <a:rPr b="1"/>
+              <a:t>Research and development</a:t>
             </a:r>
           </a:p>
           <a:p>
             <a:pPr lvl="0"/>
             <a:r>
               <a:rPr/>
-              <a:t>In AD-AS, y-axis is the aggregate price. We usually use </a:t>
-            </a:r>
-            <a:r>
-              <a:rPr b="1"/>
-              <a:t>GDP deflator</a:t>
-            </a:r>
-            <a:r>
-              <a:rPr/>
-              <a:t> but can also use </a:t>
-            </a:r>
-            <a:r>
-              <a:rPr b="1"/>
-              <a:t>CPI</a:t>
-            </a:r>
-            <a:r>
-              <a:rPr/>
-              <a:t>.</a:t>
+              <a:t>Semiconductor technology won’t be available without understanding of quantum mechanics theory in physics.</a:t>
             </a:r>
           </a:p>
           <a:p>
             <a:pPr lvl="0"/>
             <a:r>
               <a:rPr/>
-              <a:t>We use </a:t>
-            </a:r>
-            <a:r>
-              <a:rPr b="1"/>
-              <a:t>real GDP</a:t>
-            </a:r>
-            <a:r>
-              <a:rPr/>
-              <a:t> on the x-axis.</a:t>
-            </a:r>
-          </a:p>
-          <a:p>
-            <a:pPr lvl="0"/>
-            <a:r>
-              <a:rPr/>
-              <a:t>Note that it is still Quantity and Price, but we use aggregate.</a:t>
-            </a:r>
-          </a:p>
-          <a:p>
-            <a:pPr lvl="0"/>
-            <a:r>
-              <a:rPr/>
-              <a:t>What is the implication of using aggregate?</a:t>
+              <a:t>some countries are better at implementing these tech compared to others.</a:t>
             </a:r>
           </a:p>
         </p:txBody>
@@ -4245,335 +4168,36 @@
           </a:p>
         </p:txBody>
       </p:sp>
-      <mc:AlternateContent xmlns:mc="http://schemas.openxmlformats.org/markup-compatibility/2006">
-        <mc:Choice xmlns:a14="http://schemas.microsoft.com/office/drawing/2010/main" Requires="a14">
-          <p:sp>
-            <p:nvSpPr>
-              <p:cNvPr id="3" name="Content Placeholder 2"/>
-              <p:cNvSpPr>
-                <a:spLocks noGrp="1"/>
-              </p:cNvSpPr>
-              <p:nvPr>
-                <p:ph idx="1"/>
-              </p:nvPr>
-            </p:nvSpPr>
-            <p:spPr/>
-            <p:txBody>
-              <a:bodyPr/>
-              <a:lstStyle/>
-              <a:p>
-                <a:pPr lvl="0"/>
-                <a:r>
-                  <a:rPr/>
-                  <a:t>Long-run growth</a:t>
-                </a:r>
-              </a:p>
-              <a:p>
-                <a:pPr lvl="0"/>
-                <a:r>
-                  <a:rPr/>
-                  <a:t>AD-AS model</a:t>
-                </a:r>
-              </a:p>
-              <a:p>
-                <a:pPr lvl="0" indent="0" marL="0">
-                  <a:spcBef>
-                    <a:spcPts val="3000"/>
-                  </a:spcBef>
-                  <a:buNone/>
-                </a:pPr>
-                <a:r>
-                  <a:rPr b="1"/>
-                  <a:t>Measuring economic growth</a:t>
-                </a:r>
-              </a:p>
-              <a:p>
-                <a:pPr lvl="0"/>
-                <a:r>
-                  <a:rPr/>
-                  <a:t>We’ve learned that there are many ways to look at GDP:</a:t>
-                </a:r>
-              </a:p>
-              <a:p>
-                <a:pPr lvl="1"/>
-                <a:r>
-                  <a:rPr/>
-                  <a:t>Nominal GDP is the easiest method but not very useful.</a:t>
-                </a:r>
-              </a:p>
-              <a:p>
-                <a:pPr lvl="1"/>
-                <a:r>
-                  <a:rPr/>
-                  <a:t>Real GDP eliminates price level.</a:t>
-                </a:r>
-              </a:p>
-              <a:p>
-                <a:pPr lvl="0"/>
-                <a:r>
-                  <a:rPr/>
-                  <a:t>We calculate growth using Real GDP.</a:t>
-                </a:r>
-              </a:p>
-              <a:p>
-                <a:pPr lvl="0" indent="0" marL="0">
-                  <a:buNone/>
-                </a:pPr>
-                <a14:m>
-                  <m:oMathPara xmlns:m="http://schemas.openxmlformats.org/officeDocument/2006/math">
-                    <m:oMathParaPr>
-                      <m:jc m:val="center"/>
-                    </m:oMathParaPr>
-                    <m:oMath>
-                      <m:r>
-                        <m:rPr>
-                          <m:nor/>
-                          <m:sty m:val="p"/>
-                        </m:rPr>
-                        <m:t>growth</m:t>
-                      </m:r>
-                      <m:r>
-                        <m:rPr>
-                          <m:sty m:val="p"/>
-                        </m:rPr>
-                        <m:t>=</m:t>
-                      </m:r>
-                      <m:f>
-                        <m:fPr>
-                          <m:type m:val="bar"/>
-                        </m:fPr>
-                        <m:num>
-                          <m:sSub>
-                            <m:e>
-                              <m:r>
-                                <m:rPr>
-                                  <m:nor/>
-                                  <m:sty m:val="p"/>
-                                </m:rPr>
-                                <m:t>real GDP</m:t>
-                              </m:r>
-                            </m:e>
-                            <m:sub>
-                              <m:r>
-                                <m:t>2</m:t>
-                              </m:r>
-                            </m:sub>
-                          </m:sSub>
-                          <m:r>
-                            <m:rPr>
-                              <m:sty m:val="p"/>
-                            </m:rPr>
-                            <m:t>−</m:t>
-                          </m:r>
-                          <m:sSub>
-                            <m:e>
-                              <m:r>
-                                <m:rPr>
-                                  <m:nor/>
-                                  <m:sty m:val="p"/>
-                                </m:rPr>
-                                <m:t>real GDP</m:t>
-                              </m:r>
-                            </m:e>
-                            <m:sub>
-                              <m:r>
-                                <m:t>1</m:t>
-                              </m:r>
-                            </m:sub>
-                          </m:sSub>
-                        </m:num>
-                        <m:den>
-                          <m:sSub>
-                            <m:e>
-                              <m:r>
-                                <m:rPr>
-                                  <m:nor/>
-                                  <m:sty m:val="p"/>
-                                </m:rPr>
-                                <m:t>real GDP</m:t>
-                              </m:r>
-                            </m:e>
-                            <m:sub>
-                              <m:r>
-                                <m:t>1</m:t>
-                              </m:r>
-                            </m:sub>
-                          </m:sSub>
-                        </m:den>
-                      </m:f>
-                      <m:r>
-                        <m:rPr>
-                          <m:sty m:val="p"/>
-                        </m:rPr>
-                        <m:t>×</m:t>
-                      </m:r>
-                      <m:r>
-                        <m:t>100</m:t>
-                      </m:r>
-                      <m:r>
-                        <m:rPr>
-                          <m:sty m:val="p"/>
-                        </m:rPr>
-                        <m:t>%</m:t>
-                      </m:r>
-                    </m:oMath>
-                  </m:oMathPara>
-                </a14:m>
-              </a:p>
-              <a:p>
-                <a:pPr lvl="0" indent="0" marL="0">
-                  <a:spcBef>
-                    <a:spcPts val="3000"/>
-                  </a:spcBef>
-                  <a:buNone/>
-                </a:pPr>
-                <a:r>
-                  <a:rPr b="1"/>
-                  <a:t>Growth determinant</a:t>
-                </a:r>
-              </a:p>
-              <a:p>
-                <a:pPr lvl="0"/>
-                <a:r>
-                  <a:rPr/>
-                  <a:t>Advance countries usually grows at around 2% rate.</a:t>
-                </a:r>
-              </a:p>
-              <a:p>
-                <a:pPr lvl="0"/>
-                <a:r>
-                  <a:rPr/>
-                  <a:t>Indonesia grows somewhere around 5% these days.</a:t>
-                </a:r>
-              </a:p>
-              <a:p>
-                <a:pPr lvl="0"/>
-                <a:r>
-                  <a:rPr/>
-                  <a:t>Economic growth ensure the people in the country gets richer.</a:t>
-                </a:r>
-              </a:p>
-              <a:p>
-                <a:pPr lvl="1"/>
-                <a:r>
-                  <a:rPr/>
-                  <a:t>Electricity was a luxury back in the 1940s, now we take it for granted.</a:t>
-                </a:r>
-              </a:p>
-              <a:p>
-                <a:pPr lvl="1"/>
-                <a:r>
-                  <a:rPr/>
-                  <a:t>Only rich people use cellphones back in late 1990s.</a:t>
-                </a:r>
-              </a:p>
-              <a:p>
-                <a:pPr lvl="0" indent="0" marL="0">
-                  <a:spcBef>
-                    <a:spcPts val="3000"/>
-                  </a:spcBef>
-                  <a:buNone/>
-                </a:pPr>
-                <a:r>
-                  <a:rPr b="1"/>
-                  <a:t>Productivity growth</a:t>
-                </a:r>
-              </a:p>
-              <a:p>
-                <a:pPr lvl="0"/>
-                <a:r>
-                  <a:rPr/>
-                  <a:t>Increasing the number of worker can increase GDP, but it won’t last long.</a:t>
-                </a:r>
-              </a:p>
-              <a:p>
-                <a:pPr lvl="0"/>
-                <a:r>
-                  <a:rPr/>
-                  <a:t>When we have an economic growth that is long lasting, we call it </a:t>
-                </a:r>
-                <a:r>
-                  <a:rPr b="1"/>
-                  <a:t>sustained economic growth</a:t>
-                </a:r>
-                <a:r>
-                  <a:rPr/>
-                  <a:t>.</a:t>
-                </a:r>
-              </a:p>
-              <a:p>
-                <a:pPr lvl="0"/>
-                <a:r>
-                  <a:rPr/>
-                  <a:t>We can only sustain economic growth by increasing </a:t>
-                </a:r>
-                <a:r>
-                  <a:rPr b="1"/>
-                  <a:t>productivity</a:t>
-                </a:r>
-                <a:r>
-                  <a:rPr/>
-                  <a:t>.</a:t>
-                </a:r>
-              </a:p>
-              <a:p>
-                <a:pPr lvl="0"/>
-                <a:r>
-                  <a:rPr/>
-                  <a:t>The term productivity usually refer to how much output can a country produce given the same number of labour.</a:t>
-                </a:r>
-              </a:p>
-              <a:p>
-                <a:pPr lvl="0"/>
-                <a:r>
-                  <a:rPr/>
-                  <a:t>We often measure them with </a:t>
-                </a:r>
-                <a14:m>
-                  <m:oMath xmlns:m="http://schemas.openxmlformats.org/officeDocument/2006/math">
-                    <m:f>
-                      <m:fPr>
-                        <m:type m:val="bar"/>
-                      </m:fPr>
-                      <m:num>
-                        <m:r>
-                          <m:t>G</m:t>
-                        </m:r>
-                        <m:r>
-                          <m:t>D</m:t>
-                        </m:r>
-                        <m:r>
-                          <m:t>P</m:t>
-                        </m:r>
-                      </m:num>
-                      <m:den>
-                        <m:r>
-                          <m:t>l</m:t>
-                        </m:r>
-                        <m:r>
-                          <m:t>a</m:t>
-                        </m:r>
-                        <m:r>
-                          <m:t>b</m:t>
-                        </m:r>
-                        <m:r>
-                          <m:t>o</m:t>
-                        </m:r>
-                        <m:r>
-                          <m:t>u</m:t>
-                        </m:r>
-                        <m:r>
-                          <m:t>r</m:t>
-                        </m:r>
-                      </m:den>
-                    </m:f>
-                  </m:oMath>
-                </a14:m>
-              </a:p>
-            </p:txBody>
-          </p:sp>
-        </mc:Choice>
-      </mc:AlternateContent>
+      <p:sp>
+        <p:nvSpPr>
+          <p:cNvPr id="3" name="Content Placeholder 2"/>
+          <p:cNvSpPr>
+            <a:spLocks noGrp="1"/>
+          </p:cNvSpPr>
+          <p:nvPr>
+            <p:ph idx="1"/>
+          </p:nvPr>
+        </p:nvSpPr>
+        <p:spPr/>
+        <p:txBody>
+          <a:bodyPr/>
+          <a:lstStyle/>
+          <a:p>
+            <a:pPr lvl="0"/>
+            <a:r>
+              <a:rPr/>
+              <a:t>Long-run growth</a:t>
+            </a:r>
+          </a:p>
+          <a:p>
+            <a:pPr lvl="0"/>
+            <a:r>
+              <a:rPr/>
+              <a:t>AD-AS model</a:t>
+            </a:r>
+          </a:p>
+        </p:txBody>
+      </p:sp>
     </p:spTree>
   </p:cSld>
 </p:sld>
@@ -4598,6 +4222,31 @@
       </p:grpSpPr>
       <p:sp>
         <p:nvSpPr>
+          <p:cNvPr id="2" name="Title 1"/>
+          <p:cNvSpPr>
+            <a:spLocks noGrp="1"/>
+          </p:cNvSpPr>
+          <p:nvPr>
+            <p:ph type="title"/>
+          </p:nvPr>
+        </p:nvSpPr>
+        <p:spPr/>
+        <p:txBody>
+          <a:bodyPr/>
+          <a:lstStyle/>
+          <a:p>
+            <a:pPr lvl="0" indent="0" marL="0">
+              <a:buNone/>
+            </a:pPr>
+            <a:r>
+              <a:rPr/>
+              <a:t>Why growth rate differs?</a:t>
+            </a:r>
+          </a:p>
+        </p:txBody>
+      </p:sp>
+      <p:sp>
+        <p:nvSpPr>
           <p:cNvPr id="3" name="Content Placeholder 2"/>
           <p:cNvSpPr>
             <a:spLocks noGrp="1"/>
@@ -4619,39 +4268,66 @@
             </a:pPr>
             <a:r>
               <a:rPr b="1"/>
-              <a:t>AD-AS Framework</a:t>
+              <a:t>Government have big role</a:t>
             </a:r>
           </a:p>
           <a:p>
             <a:pPr lvl="0"/>
             <a:r>
               <a:rPr/>
-              <a:t>In the perfect market framework, the law of demand dictates that when price increase, quantity demanded goes down: hence the negative slope.</a:t>
+              <a:t>Government can speed up </a:t>
+            </a:r>
+            <a:r>
+              <a:rPr b="1"/>
+              <a:t>building high fixed cost capital</a:t>
+            </a:r>
+            <a:r>
+              <a:rPr/>
+              <a:t> such as electricity, internet, ports, roads and so on.</a:t>
             </a:r>
           </a:p>
           <a:p>
             <a:pPr lvl="0"/>
             <a:r>
               <a:rPr/>
-              <a:t>When a good price increases, consumers tend to lower the quantity because of </a:t>
-            </a:r>
-            <a:r>
-              <a:rPr i="1"/>
-              <a:t>ceteris paribus</a:t>
-            </a:r>
-          </a:p>
-          <a:p>
-            <a:pPr lvl="1"/>
-            <a:r>
-              <a:rPr/>
-              <a:t>if its substitute held constant, the consumer change to buying the substitute.</a:t>
-            </a:r>
-          </a:p>
-          <a:p>
-            <a:pPr lvl="1"/>
-            <a:r>
-              <a:rPr/>
-              <a:t>A consumer can also choose to save if the price gets above their WTP.</a:t>
+              <a:t>Government can also </a:t>
+            </a:r>
+            <a:r>
+              <a:rPr b="1"/>
+              <a:t>subsidize education and R&amp;D</a:t>
+            </a:r>
+            <a:r>
+              <a:rPr/>
+              <a:t> since it has positive externalities.</a:t>
+            </a:r>
+          </a:p>
+          <a:p>
+            <a:pPr lvl="0"/>
+            <a:r>
+              <a:rPr/>
+              <a:t>Maintaining a well-function financial system.</a:t>
+            </a:r>
+          </a:p>
+          <a:p>
+            <a:pPr lvl="0"/>
+            <a:r>
+              <a:rPr/>
+              <a:t>Protecting property rights and improve </a:t>
+            </a:r>
+            <a:r>
+              <a:rPr b="1"/>
+              <a:t>stability</a:t>
+            </a:r>
+            <a:r>
+              <a:rPr/>
+              <a:t> and good governance.</a:t>
+            </a:r>
+          </a:p>
+          <a:p>
+            <a:pPr lvl="0"/>
+            <a:r>
+              <a:rPr/>
+              <a:t>Devise environmentally friendly policy</a:t>
             </a:r>
           </a:p>
         </p:txBody>
@@ -4678,6 +4354,387 @@
           <a:chExt cx="0" cy="0"/>
         </a:xfrm>
       </p:grpSpPr>
+      <p:sp>
+        <p:nvSpPr>
+          <p:cNvPr id="2" name="Title 1"/>
+          <p:cNvSpPr>
+            <a:spLocks noGrp="1"/>
+          </p:cNvSpPr>
+          <p:nvPr>
+            <p:ph type="title"/>
+          </p:nvPr>
+        </p:nvSpPr>
+        <p:spPr/>
+        <p:txBody>
+          <a:bodyPr/>
+          <a:lstStyle/>
+          <a:p>
+            <a:pPr lvl="0" indent="0" marL="0">
+              <a:buNone/>
+            </a:pPr>
+            <a:r>
+              <a:rPr/>
+              <a:t>AD-AS Framework</a:t>
+            </a:r>
+          </a:p>
+        </p:txBody>
+      </p:sp>
+      <p:sp>
+        <p:nvSpPr>
+          <p:cNvPr id="3" name="Content Placeholder 2"/>
+          <p:cNvSpPr>
+            <a:spLocks noGrp="1"/>
+          </p:cNvSpPr>
+          <p:nvPr>
+            <p:ph idx="1"/>
+          </p:nvPr>
+        </p:nvSpPr>
+        <p:spPr/>
+        <p:txBody>
+          <a:bodyPr/>
+          <a:lstStyle/>
+          <a:p>
+            <a:pPr lvl="0"/>
+            <a:r>
+              <a:rPr/>
+              <a:t>The AD-AS framework for macroeconomics is very similar with our perfect market framework in the first half.</a:t>
+            </a:r>
+          </a:p>
+          <a:p>
+            <a:pPr lvl="0"/>
+            <a:r>
+              <a:rPr/>
+              <a:t>We learned that demand curve is </a:t>
+            </a:r>
+            <a:r>
+              <a:rPr b="1"/>
+              <a:t>downward sloping</a:t>
+            </a:r>
+            <a:r>
+              <a:rPr/>
+              <a:t> , while supply curve is upward sloping.</a:t>
+            </a:r>
+          </a:p>
+          <a:p>
+            <a:pPr lvl="0"/>
+            <a:r>
+              <a:rPr/>
+              <a:t>The supply curve is a flat line in the </a:t>
+            </a:r>
+            <a:r>
+              <a:rPr b="1"/>
+              <a:t>long run</a:t>
+            </a:r>
+            <a:r>
+              <a:rPr/>
+              <a:t> because firms can adjust to demand in the long run by </a:t>
+            </a:r>
+            <a:r>
+              <a:rPr b="1"/>
+              <a:t>changing fixed cost</a:t>
+            </a:r>
+            <a:r>
+              <a:rPr/>
+              <a:t> and </a:t>
+            </a:r>
+            <a:r>
+              <a:rPr b="1"/>
+              <a:t>entering and exiting</a:t>
+            </a:r>
+            <a:r>
+              <a:rPr/>
+              <a:t> the market.</a:t>
+            </a:r>
+          </a:p>
+          <a:p>
+            <a:pPr lvl="0"/>
+            <a:r>
+              <a:rPr/>
+              <a:t>In AD-AS framework, there are a little bit of difference: it is representing </a:t>
+            </a:r>
+            <a:r>
+              <a:rPr b="1"/>
+              <a:t>not one market</a:t>
+            </a:r>
+            <a:r>
+              <a:rPr/>
+              <a:t>, but every market in </a:t>
+            </a:r>
+            <a:r>
+              <a:rPr b="1"/>
+              <a:t>a country</a:t>
+            </a:r>
+            <a:r>
+              <a:rPr/>
+              <a:t>.</a:t>
+            </a:r>
+          </a:p>
+        </p:txBody>
+      </p:sp>
+    </p:spTree>
+  </p:cSld>
+</p:sld>
+</file>
+
+<file path=ppt/slides/slide22.xml><?xml version="1.0" encoding="utf-8"?>
+<p:sld xmlns:a="http://schemas.openxmlformats.org/drawingml/2006/main" xmlns:r="http://schemas.openxmlformats.org/officeDocument/2006/relationships" xmlns:p="http://schemas.openxmlformats.org/presentationml/2006/main">
+  <p:cSld>
+    <p:spTree>
+      <p:nvGrpSpPr>
+        <p:cNvPr id="1" name=""/>
+        <p:cNvGrpSpPr/>
+        <p:nvPr/>
+      </p:nvGrpSpPr>
+      <p:grpSpPr>
+        <a:xfrm>
+          <a:off x="0" y="0"/>
+          <a:ext cx="0" cy="0"/>
+          <a:chOff x="0" y="0"/>
+          <a:chExt cx="0" cy="0"/>
+        </a:xfrm>
+      </p:grpSpPr>
+      <p:sp>
+        <p:nvSpPr>
+          <p:cNvPr id="2" name="Title 1"/>
+          <p:cNvSpPr>
+            <a:spLocks noGrp="1"/>
+          </p:cNvSpPr>
+          <p:nvPr>
+            <p:ph type="title"/>
+          </p:nvPr>
+        </p:nvSpPr>
+        <p:spPr/>
+        <p:txBody>
+          <a:bodyPr/>
+          <a:lstStyle/>
+          <a:p>
+            <a:pPr lvl="0" indent="0" marL="0">
+              <a:buNone/>
+            </a:pPr>
+            <a:r>
+              <a:rPr/>
+              <a:t>AD-AS Framework</a:t>
+            </a:r>
+          </a:p>
+        </p:txBody>
+      </p:sp>
+      <p:sp>
+        <p:nvSpPr>
+          <p:cNvPr id="3" name="Content Placeholder 2"/>
+          <p:cNvSpPr>
+            <a:spLocks noGrp="1"/>
+          </p:cNvSpPr>
+          <p:nvPr>
+            <p:ph idx="1"/>
+          </p:nvPr>
+        </p:nvSpPr>
+        <p:spPr/>
+        <p:txBody>
+          <a:bodyPr/>
+          <a:lstStyle/>
+          <a:p>
+            <a:pPr lvl="0"/>
+            <a:r>
+              <a:rPr/>
+              <a:t>In the market framework, y-axis is the price level while x-axis is the quantity produced and consumed.</a:t>
+            </a:r>
+          </a:p>
+          <a:p>
+            <a:pPr lvl="0"/>
+            <a:r>
+              <a:rPr/>
+              <a:t>In AD-AS, y-axis is the aggregate price. We usually use </a:t>
+            </a:r>
+            <a:r>
+              <a:rPr b="1"/>
+              <a:t>GDP deflator</a:t>
+            </a:r>
+            <a:r>
+              <a:rPr/>
+              <a:t> but can also use </a:t>
+            </a:r>
+            <a:r>
+              <a:rPr b="1"/>
+              <a:t>CPI</a:t>
+            </a:r>
+            <a:r>
+              <a:rPr/>
+              <a:t>.</a:t>
+            </a:r>
+          </a:p>
+          <a:p>
+            <a:pPr lvl="0"/>
+            <a:r>
+              <a:rPr/>
+              <a:t>We use </a:t>
+            </a:r>
+            <a:r>
+              <a:rPr b="1"/>
+              <a:t>real GDP</a:t>
+            </a:r>
+            <a:r>
+              <a:rPr/>
+              <a:t> on the x-axis.</a:t>
+            </a:r>
+          </a:p>
+          <a:p>
+            <a:pPr lvl="0"/>
+            <a:r>
+              <a:rPr/>
+              <a:t>Note that it is still Quantity and Price, but we use aggregate.</a:t>
+            </a:r>
+          </a:p>
+          <a:p>
+            <a:pPr lvl="0"/>
+            <a:r>
+              <a:rPr/>
+              <a:t>What is the implication of using aggregate?</a:t>
+            </a:r>
+          </a:p>
+        </p:txBody>
+      </p:sp>
+    </p:spTree>
+  </p:cSld>
+</p:sld>
+</file>
+
+<file path=ppt/slides/slide23.xml><?xml version="1.0" encoding="utf-8"?>
+<p:sld xmlns:a="http://schemas.openxmlformats.org/drawingml/2006/main" xmlns:r="http://schemas.openxmlformats.org/officeDocument/2006/relationships" xmlns:p="http://schemas.openxmlformats.org/presentationml/2006/main">
+  <p:cSld>
+    <p:spTree>
+      <p:nvGrpSpPr>
+        <p:cNvPr id="1" name=""/>
+        <p:cNvGrpSpPr/>
+        <p:nvPr/>
+      </p:nvGrpSpPr>
+      <p:grpSpPr>
+        <a:xfrm>
+          <a:off x="0" y="0"/>
+          <a:ext cx="0" cy="0"/>
+          <a:chOff x="0" y="0"/>
+          <a:chExt cx="0" cy="0"/>
+        </a:xfrm>
+      </p:grpSpPr>
+      <p:sp>
+        <p:nvSpPr>
+          <p:cNvPr id="2" name="Title 1"/>
+          <p:cNvSpPr>
+            <a:spLocks noGrp="1"/>
+          </p:cNvSpPr>
+          <p:nvPr>
+            <p:ph type="title"/>
+          </p:nvPr>
+        </p:nvSpPr>
+        <p:spPr/>
+        <p:txBody>
+          <a:bodyPr/>
+          <a:lstStyle/>
+          <a:p>
+            <a:pPr lvl="0" indent="0" marL="0">
+              <a:buNone/>
+            </a:pPr>
+            <a:r>
+              <a:rPr/>
+              <a:t>AD-AS Framework</a:t>
+            </a:r>
+          </a:p>
+        </p:txBody>
+      </p:sp>
+      <p:sp>
+        <p:nvSpPr>
+          <p:cNvPr id="3" name="Content Placeholder 2"/>
+          <p:cNvSpPr>
+            <a:spLocks noGrp="1"/>
+          </p:cNvSpPr>
+          <p:nvPr>
+            <p:ph idx="1"/>
+          </p:nvPr>
+        </p:nvSpPr>
+        <p:spPr/>
+        <p:txBody>
+          <a:bodyPr/>
+          <a:lstStyle/>
+          <a:p>
+            <a:pPr lvl="0"/>
+            <a:r>
+              <a:rPr/>
+              <a:t>In the perfect market framework, the law of demand dictates that when price increase, quantity demanded goes down: hence the negative slope.</a:t>
+            </a:r>
+          </a:p>
+          <a:p>
+            <a:pPr lvl="0"/>
+            <a:r>
+              <a:rPr/>
+              <a:t>When a good price increases, consumers tend to lower the quantity because of </a:t>
+            </a:r>
+            <a:r>
+              <a:rPr i="1"/>
+              <a:t>ceteris paribus</a:t>
+            </a:r>
+          </a:p>
+          <a:p>
+            <a:pPr lvl="1"/>
+            <a:r>
+              <a:rPr/>
+              <a:t>if its substitute held constant, the consumer change to buying the substitute.</a:t>
+            </a:r>
+          </a:p>
+          <a:p>
+            <a:pPr lvl="1"/>
+            <a:r>
+              <a:rPr/>
+              <a:t>A consumer can also choose to save if the price gets above their WTP.</a:t>
+            </a:r>
+          </a:p>
+        </p:txBody>
+      </p:sp>
+    </p:spTree>
+  </p:cSld>
+</p:sld>
+</file>
+
+<file path=ppt/slides/slide24.xml><?xml version="1.0" encoding="utf-8"?>
+<p:sld xmlns:a="http://schemas.openxmlformats.org/drawingml/2006/main" xmlns:r="http://schemas.openxmlformats.org/officeDocument/2006/relationships" xmlns:p="http://schemas.openxmlformats.org/presentationml/2006/main">
+  <p:cSld>
+    <p:spTree>
+      <p:nvGrpSpPr>
+        <p:cNvPr id="1" name=""/>
+        <p:cNvGrpSpPr/>
+        <p:nvPr/>
+      </p:nvGrpSpPr>
+      <p:grpSpPr>
+        <a:xfrm>
+          <a:off x="0" y="0"/>
+          <a:ext cx="0" cy="0"/>
+          <a:chOff x="0" y="0"/>
+          <a:chExt cx="0" cy="0"/>
+        </a:xfrm>
+      </p:grpSpPr>
+      <p:sp>
+        <p:nvSpPr>
+          <p:cNvPr id="2" name="Title 1"/>
+          <p:cNvSpPr>
+            <a:spLocks noGrp="1"/>
+          </p:cNvSpPr>
+          <p:nvPr>
+            <p:ph type="title"/>
+          </p:nvPr>
+        </p:nvSpPr>
+        <p:spPr/>
+        <p:txBody>
+          <a:bodyPr/>
+          <a:lstStyle/>
+          <a:p>
+            <a:pPr lvl="0" indent="0" marL="0">
+              <a:buNone/>
+            </a:pPr>
+            <a:r>
+              <a:rPr/>
+              <a:t>AD-AS Framework</a:t>
+            </a:r>
+          </a:p>
+        </p:txBody>
+      </p:sp>
       <mc:AlternateContent xmlns:mc="http://schemas.openxmlformats.org/markup-compatibility/2006">
         <mc:Choice xmlns:a14="http://schemas.microsoft.com/office/drawing/2010/main" Requires="a14">
           <p:sp>
@@ -4694,18 +4751,6 @@
             <p:txBody>
               <a:bodyPr/>
               <a:lstStyle/>
-              <a:p>
-                <a:pPr lvl="0" indent="0" marL="0">
-                  <a:spcBef>
-                    <a:spcPts val="3000"/>
-                  </a:spcBef>
-                  <a:buNone/>
-                </a:pPr>
-                <a:r>
-                  <a:rPr b="1"/>
-                  <a:t>AD-AS Framework</a:t>
-                </a:r>
-              </a:p>
               <a:p>
                 <a:pPr lvl="0"/>
                 <a:r>
@@ -4893,7 +4938,7 @@
 </p:sld>
 </file>
 
-<file path=ppt/slides/slide22.xml><?xml version="1.0" encoding="utf-8"?>
+<file path=ppt/slides/slide25.xml><?xml version="1.0" encoding="utf-8"?>
 <p:sld xmlns:a="http://schemas.openxmlformats.org/drawingml/2006/main" xmlns:r="http://schemas.openxmlformats.org/officeDocument/2006/relationships" xmlns:p="http://schemas.openxmlformats.org/presentationml/2006/main">
   <p:cSld>
     <p:spTree>
@@ -4910,6 +4955,31 @@
           <a:chExt cx="0" cy="0"/>
         </a:xfrm>
       </p:grpSpPr>
+      <p:sp>
+        <p:nvSpPr>
+          <p:cNvPr id="2" name="Title 1"/>
+          <p:cNvSpPr>
+            <a:spLocks noGrp="1"/>
+          </p:cNvSpPr>
+          <p:nvPr>
+            <p:ph type="title"/>
+          </p:nvPr>
+        </p:nvSpPr>
+        <p:spPr/>
+        <p:txBody>
+          <a:bodyPr/>
+          <a:lstStyle/>
+          <a:p>
+            <a:pPr lvl="0" indent="0" marL="0">
+              <a:buNone/>
+            </a:pPr>
+            <a:r>
+              <a:rPr/>
+              <a:t>Aggregate Demand</a:t>
+            </a:r>
+          </a:p>
+        </p:txBody>
+      </p:sp>
       <mc:AlternateContent xmlns:mc="http://schemas.openxmlformats.org/markup-compatibility/2006">
         <mc:Choice xmlns:a14="http://schemas.microsoft.com/office/drawing/2010/main" Requires="a14">
           <p:sp>
@@ -4926,18 +4996,6 @@
             <p:txBody>
               <a:bodyPr/>
               <a:lstStyle/>
-              <a:p>
-                <a:pPr lvl="0" indent="0" marL="0">
-                  <a:spcBef>
-                    <a:spcPts val="3000"/>
-                  </a:spcBef>
-                  <a:buNone/>
-                </a:pPr>
-                <a:r>
-                  <a:rPr b="1"/>
-                  <a:t>Aggregate Demand</a:t>
-                </a:r>
-              </a:p>
               <a:p>
                 <a:pPr lvl="0" indent="0" marL="0">
                   <a:buNone/>
@@ -5136,55 +5194,6 @@
                   </m:oMathPara>
                 </a14:m>
               </a:p>
-              <a:p>
-                <a:pPr lvl="0" indent="0" marL="0">
-                  <a:spcBef>
-                    <a:spcPts val="3000"/>
-                  </a:spcBef>
-                  <a:buNone/>
-                </a:pPr>
-                <a:r>
-                  <a:rPr b="1"/>
-                  <a:t>Side note</a:t>
-                </a:r>
-              </a:p>
-              <a:p>
-                <a:pPr lvl="0"/>
-                <a:r>
-                  <a:rPr/>
-                  <a:t>I often use “saving” very liberally: any income you dont’s spend is saving, even if you just keep in in your pocket.</a:t>
-                </a:r>
-              </a:p>
-              <a:p>
-                <a:pPr lvl="0"/>
-                <a:r>
-                  <a:rPr/>
-                  <a:t>We will learn how saving and changes in interest rate mechanism works later.</a:t>
-                </a:r>
-              </a:p>
-              <a:p>
-                <a:pPr lvl="0"/>
-                <a:r>
-                  <a:rPr/>
-                  <a:t>For now, the most important thing is the theoretical relationship between Aggregate Demand (measured by </a:t>
-                </a:r>
-                <a:r>
-                  <a:rPr b="1"/>
-                  <a:t>Real GDP</a:t>
-                </a:r>
-                <a:r>
-                  <a:rPr/>
-                  <a:t>) and </a:t>
-                </a:r>
-                <a:r>
-                  <a:rPr b="1"/>
-                  <a:t>inflation</a:t>
-                </a:r>
-                <a:r>
-                  <a:rPr/>
-                  <a:t>.</a:t>
-                </a:r>
-              </a:p>
             </p:txBody>
           </p:sp>
         </mc:Choice>
@@ -5194,7 +5203,7 @@
 </p:sld>
 </file>
 
-<file path=ppt/slides/slide23.xml><?xml version="1.0" encoding="utf-8"?>
+<file path=ppt/slides/slide26.xml><?xml version="1.0" encoding="utf-8"?>
 <p:sld xmlns:a="http://schemas.openxmlformats.org/drawingml/2006/main" xmlns:r="http://schemas.openxmlformats.org/officeDocument/2006/relationships" xmlns:p="http://schemas.openxmlformats.org/presentationml/2006/main">
   <p:cSld>
     <p:spTree>
@@ -5213,6 +5222,31 @@
       </p:grpSpPr>
       <p:sp>
         <p:nvSpPr>
+          <p:cNvPr id="2" name="Title 1"/>
+          <p:cNvSpPr>
+            <a:spLocks noGrp="1"/>
+          </p:cNvSpPr>
+          <p:nvPr>
+            <p:ph type="title"/>
+          </p:nvPr>
+        </p:nvSpPr>
+        <p:spPr/>
+        <p:txBody>
+          <a:bodyPr/>
+          <a:lstStyle/>
+          <a:p>
+            <a:pPr lvl="0" indent="0" marL="0">
+              <a:buNone/>
+            </a:pPr>
+            <a:r>
+              <a:rPr/>
+              <a:t>Side note</a:t>
+            </a:r>
+          </a:p>
+        </p:txBody>
+      </p:sp>
+      <p:sp>
+        <p:nvSpPr>
           <p:cNvPr id="3" name="Content Placeholder 2"/>
           <p:cNvSpPr>
             <a:spLocks noGrp="1"/>
@@ -5226,72 +5260,40 @@
           <a:bodyPr/>
           <a:lstStyle/>
           <a:p>
-            <a:pPr lvl="0" indent="0" marL="0">
-              <a:spcBef>
-                <a:spcPts val="3000"/>
-              </a:spcBef>
-              <a:buNone/>
-            </a:pPr>
+            <a:pPr lvl="0"/>
+            <a:r>
+              <a:rPr/>
+              <a:t>I often use “saving” very liberally: any income you dont’s spend is saving, even if you just keep in in your pocket.</a:t>
+            </a:r>
+          </a:p>
+          <a:p>
+            <a:pPr lvl="0"/>
+            <a:r>
+              <a:rPr/>
+              <a:t>We will learn how saving and changes in interest rate mechanism works later.</a:t>
+            </a:r>
+          </a:p>
+          <a:p>
+            <a:pPr lvl="0"/>
+            <a:r>
+              <a:rPr/>
+              <a:t>For now, the most important thing is the theoretical relationship between Aggregate Demand (measured by </a:t>
+            </a:r>
             <a:r>
               <a:rPr b="1"/>
-              <a:t>What shifts AD curve?</a:t>
-            </a:r>
-          </a:p>
-          <a:p>
-            <a:pPr lvl="0" indent="0" marL="0">
-              <a:buNone/>
-            </a:pPr>
-            <a:r>
-              <a:rPr/>
-              <a:t>When things other than aggregate price changes, we shift the AD curve. These things are:</a:t>
-            </a:r>
-          </a:p>
-          <a:p>
-            <a:pPr lvl="0" indent="-342900" marL="342900">
-              <a:buAutoNum type="arabicPeriod"/>
-            </a:pPr>
+              <a:t>Real GDP</a:t>
+            </a:r>
+            <a:r>
+              <a:rPr/>
+              <a:t>) and </a:t>
+            </a:r>
             <a:r>
               <a:rPr b="1"/>
-              <a:t>Change in expectations</a:t>
-            </a:r>
-            <a:r>
-              <a:rPr/>
-              <a:t>. When people prepare for the worst, people stop spending and business stop investing.</a:t>
-            </a:r>
-          </a:p>
-          <a:p>
-            <a:pPr lvl="0" indent="-342900" marL="342900">
-              <a:buAutoNum type="arabicPeriod"/>
-            </a:pPr>
-            <a:r>
-              <a:rPr b="1"/>
-              <a:t>Change in wealth</a:t>
-            </a:r>
-            <a:r>
-              <a:rPr/>
-              <a:t>. When your asset prices go down, your purchasing power also go down so you consume less.</a:t>
-            </a:r>
-          </a:p>
-          <a:p>
-            <a:pPr lvl="0" indent="-342900" marL="342900">
-              <a:buAutoNum type="arabicPeriod"/>
-            </a:pPr>
-            <a:r>
-              <a:rPr b="1"/>
-              <a:t>Size of physical capital</a:t>
-            </a:r>
-            <a:r>
-              <a:rPr/>
-              <a:t>. When there are more physical capital, your current physical capital’s worth declines.</a:t>
-            </a:r>
-          </a:p>
-          <a:p>
-            <a:pPr lvl="0" indent="0" marL="0">
-              <a:buNone/>
-            </a:pPr>
-            <a:r>
-              <a:rPr/>
-              <a:t>all of the above examples leads to movement of AD curve to the left.</a:t>
+              <a:t>inflation</a:t>
+            </a:r>
+            <a:r>
+              <a:rPr/>
+              <a:t>.</a:t>
             </a:r>
           </a:p>
         </p:txBody>
@@ -5301,7 +5303,7 @@
 </p:sld>
 </file>
 
-<file path=ppt/slides/slide24.xml><?xml version="1.0" encoding="utf-8"?>
+<file path=ppt/slides/slide27.xml><?xml version="1.0" encoding="utf-8"?>
 <p:sld xmlns:a="http://schemas.openxmlformats.org/drawingml/2006/main" xmlns:r="http://schemas.openxmlformats.org/officeDocument/2006/relationships" xmlns:p="http://schemas.openxmlformats.org/presentationml/2006/main">
   <p:cSld>
     <p:spTree>
@@ -5318,6 +5320,151 @@
           <a:chExt cx="0" cy="0"/>
         </a:xfrm>
       </p:grpSpPr>
+      <p:sp>
+        <p:nvSpPr>
+          <p:cNvPr id="2" name="Title 1"/>
+          <p:cNvSpPr>
+            <a:spLocks noGrp="1"/>
+          </p:cNvSpPr>
+          <p:nvPr>
+            <p:ph type="title"/>
+          </p:nvPr>
+        </p:nvSpPr>
+        <p:spPr/>
+        <p:txBody>
+          <a:bodyPr/>
+          <a:lstStyle/>
+          <a:p>
+            <a:pPr lvl="0" indent="0" marL="0">
+              <a:buNone/>
+            </a:pPr>
+            <a:r>
+              <a:rPr/>
+              <a:t>What shifts AD curve?</a:t>
+            </a:r>
+          </a:p>
+        </p:txBody>
+      </p:sp>
+      <p:sp>
+        <p:nvSpPr>
+          <p:cNvPr id="3" name="Content Placeholder 2"/>
+          <p:cNvSpPr>
+            <a:spLocks noGrp="1"/>
+          </p:cNvSpPr>
+          <p:nvPr>
+            <p:ph idx="1"/>
+          </p:nvPr>
+        </p:nvSpPr>
+        <p:spPr/>
+        <p:txBody>
+          <a:bodyPr/>
+          <a:lstStyle/>
+          <a:p>
+            <a:pPr lvl="0" indent="0" marL="0">
+              <a:buNone/>
+            </a:pPr>
+            <a:r>
+              <a:rPr/>
+              <a:t>When things other than aggregate price changes, we shift the AD curve. These things are:</a:t>
+            </a:r>
+          </a:p>
+          <a:p>
+            <a:pPr lvl="0" indent="-342900" marL="342900">
+              <a:buAutoNum type="arabicPeriod"/>
+            </a:pPr>
+            <a:r>
+              <a:rPr b="1"/>
+              <a:t>Change in expectations</a:t>
+            </a:r>
+            <a:r>
+              <a:rPr/>
+              <a:t>. When people prepare for the worst, people stop spending and business stop investing.</a:t>
+            </a:r>
+          </a:p>
+          <a:p>
+            <a:pPr lvl="0" indent="-342900" marL="342900">
+              <a:buAutoNum type="arabicPeriod"/>
+            </a:pPr>
+            <a:r>
+              <a:rPr b="1"/>
+              <a:t>Change in wealth</a:t>
+            </a:r>
+            <a:r>
+              <a:rPr/>
+              <a:t>. When your asset prices go down, your purchasing power also go down so you consume less.</a:t>
+            </a:r>
+          </a:p>
+          <a:p>
+            <a:pPr lvl="0" indent="-342900" marL="342900">
+              <a:buAutoNum type="arabicPeriod"/>
+            </a:pPr>
+            <a:r>
+              <a:rPr b="1"/>
+              <a:t>Size of physical capital</a:t>
+            </a:r>
+            <a:r>
+              <a:rPr/>
+              <a:t>. When there are more physical capital, your current physical capital’s worth declines.</a:t>
+            </a:r>
+          </a:p>
+          <a:p>
+            <a:pPr lvl="0" indent="0" marL="0">
+              <a:buNone/>
+            </a:pPr>
+            <a:r>
+              <a:rPr/>
+              <a:t>all of the above examples leads to movement of AD curve to the left.</a:t>
+            </a:r>
+          </a:p>
+        </p:txBody>
+      </p:sp>
+    </p:spTree>
+  </p:cSld>
+</p:sld>
+</file>
+
+<file path=ppt/slides/slide28.xml><?xml version="1.0" encoding="utf-8"?>
+<p:sld xmlns:a="http://schemas.openxmlformats.org/drawingml/2006/main" xmlns:r="http://schemas.openxmlformats.org/officeDocument/2006/relationships" xmlns:p="http://schemas.openxmlformats.org/presentationml/2006/main">
+  <p:cSld>
+    <p:spTree>
+      <p:nvGrpSpPr>
+        <p:cNvPr id="1" name=""/>
+        <p:cNvGrpSpPr/>
+        <p:nvPr/>
+      </p:nvGrpSpPr>
+      <p:grpSpPr>
+        <a:xfrm>
+          <a:off x="0" y="0"/>
+          <a:ext cx="0" cy="0"/>
+          <a:chOff x="0" y="0"/>
+          <a:chExt cx="0" cy="0"/>
+        </a:xfrm>
+      </p:grpSpPr>
+      <p:sp>
+        <p:nvSpPr>
+          <p:cNvPr id="2" name="Title 1"/>
+          <p:cNvSpPr>
+            <a:spLocks noGrp="1"/>
+          </p:cNvSpPr>
+          <p:nvPr>
+            <p:ph type="title"/>
+          </p:nvPr>
+        </p:nvSpPr>
+        <p:spPr/>
+        <p:txBody>
+          <a:bodyPr/>
+          <a:lstStyle/>
+          <a:p>
+            <a:pPr lvl="0" indent="0" marL="0">
+              <a:buNone/>
+            </a:pPr>
+            <a:r>
+              <a:rPr/>
+              <a:t>Government Policy</a:t>
+            </a:r>
+          </a:p>
+        </p:txBody>
+      </p:sp>
       <mc:AlternateContent xmlns:mc="http://schemas.openxmlformats.org/markup-compatibility/2006">
         <mc:Choice xmlns:a14="http://schemas.microsoft.com/office/drawing/2010/main" Requires="a14">
           <p:sp>
@@ -5334,18 +5481,6 @@
             <p:txBody>
               <a:bodyPr/>
               <a:lstStyle/>
-              <a:p>
-                <a:pPr lvl="0" indent="0" marL="0">
-                  <a:spcBef>
-                    <a:spcPts val="3000"/>
-                  </a:spcBef>
-                  <a:buNone/>
-                </a:pPr>
-                <a:r>
-                  <a:rPr b="1"/>
-                  <a:t>Government Policy</a:t>
-                </a:r>
-              </a:p>
               <a:p>
                 <a:pPr lvl="0" indent="0" marL="0">
                   <a:buNone/>
@@ -5450,359 +5585,6 @@
 </p:sld>
 </file>
 
-<file path=ppt/slides/slide25.xml><?xml version="1.0" encoding="utf-8"?>
-<p:sld xmlns:a="http://schemas.openxmlformats.org/drawingml/2006/main" xmlns:r="http://schemas.openxmlformats.org/officeDocument/2006/relationships" xmlns:p="http://schemas.openxmlformats.org/presentationml/2006/main">
-  <p:cSld>
-    <p:spTree>
-      <p:nvGrpSpPr>
-        <p:cNvPr id="1" name=""/>
-        <p:cNvGrpSpPr/>
-        <p:nvPr/>
-      </p:nvGrpSpPr>
-      <p:grpSpPr>
-        <a:xfrm>
-          <a:off x="0" y="0"/>
-          <a:ext cx="0" cy="0"/>
-          <a:chOff x="0" y="0"/>
-          <a:chExt cx="0" cy="0"/>
-        </a:xfrm>
-      </p:grpSpPr>
-      <p:sp>
-        <p:nvSpPr>
-          <p:cNvPr id="3" name="Content Placeholder 2"/>
-          <p:cNvSpPr>
-            <a:spLocks noGrp="1"/>
-          </p:cNvSpPr>
-          <p:nvPr>
-            <p:ph idx="1"/>
-          </p:nvPr>
-        </p:nvSpPr>
-        <p:spPr/>
-        <p:txBody>
-          <a:bodyPr/>
-          <a:lstStyle/>
-          <a:p>
-            <a:pPr lvl="0" indent="0" marL="0">
-              <a:spcBef>
-                <a:spcPts val="3000"/>
-              </a:spcBef>
-              <a:buNone/>
-            </a:pPr>
-            <a:r>
-              <a:rPr b="1"/>
-              <a:t>Aggregate supply</a:t>
-            </a:r>
-          </a:p>
-          <a:p>
-            <a:pPr lvl="0"/>
-            <a:r>
-              <a:rPr/>
-              <a:t>Aggregate supply is a bit similar to the market analysis.</a:t>
-            </a:r>
-          </a:p>
-          <a:p>
-            <a:pPr lvl="1"/>
-            <a:r>
-              <a:rPr/>
-              <a:t>There are two different AS curves: short-run and long-run</a:t>
-            </a:r>
-          </a:p>
-          <a:p>
-            <a:pPr lvl="0"/>
-            <a:r>
-              <a:rPr/>
-              <a:t>The short-run aggregate supply (SRAS) is </a:t>
-            </a:r>
-            <a:r>
-              <a:rPr b="1"/>
-              <a:t>upward sloping</a:t>
-            </a:r>
-            <a:r>
-              <a:rPr/>
-              <a:t>: when aggregate price level goes down, quantity supplied goes down as well.</a:t>
-            </a:r>
-          </a:p>
-          <a:p>
-            <a:pPr lvl="0"/>
-            <a:r>
-              <a:rPr/>
-              <a:t>Profit = selling price minus production cost. When selling price changes, production cost can be hard to adjust.</a:t>
-            </a:r>
-          </a:p>
-          <a:p>
-            <a:pPr lvl="0"/>
-            <a:r>
-              <a:rPr/>
-              <a:t>This is caused by </a:t>
-            </a:r>
-            <a:r>
-              <a:rPr b="1"/>
-              <a:t>sticky wages</a:t>
-            </a:r>
-            <a:r>
-              <a:rPr/>
-              <a:t> in the short run.</a:t>
-            </a:r>
-          </a:p>
-        </p:txBody>
-      </p:sp>
-    </p:spTree>
-  </p:cSld>
-</p:sld>
-</file>
-
-<file path=ppt/slides/slide26.xml><?xml version="1.0" encoding="utf-8"?>
-<p:sld xmlns:a="http://schemas.openxmlformats.org/drawingml/2006/main" xmlns:r="http://schemas.openxmlformats.org/officeDocument/2006/relationships" xmlns:p="http://schemas.openxmlformats.org/presentationml/2006/main">
-  <p:cSld>
-    <p:spTree>
-      <p:nvGrpSpPr>
-        <p:cNvPr id="1" name=""/>
-        <p:cNvGrpSpPr/>
-        <p:nvPr/>
-      </p:nvGrpSpPr>
-      <p:grpSpPr>
-        <a:xfrm>
-          <a:off x="0" y="0"/>
-          <a:ext cx="0" cy="0"/>
-          <a:chOff x="0" y="0"/>
-          <a:chExt cx="0" cy="0"/>
-        </a:xfrm>
-      </p:grpSpPr>
-      <p:sp>
-        <p:nvSpPr>
-          <p:cNvPr id="3" name="Content Placeholder 2"/>
-          <p:cNvSpPr>
-            <a:spLocks noGrp="1"/>
-          </p:cNvSpPr>
-          <p:nvPr>
-            <p:ph idx="1"/>
-          </p:nvPr>
-        </p:nvSpPr>
-        <p:spPr/>
-        <p:txBody>
-          <a:bodyPr/>
-          <a:lstStyle/>
-          <a:p>
-            <a:pPr lvl="0" indent="0" marL="0">
-              <a:spcBef>
-                <a:spcPts val="3000"/>
-              </a:spcBef>
-              <a:buNone/>
-            </a:pPr>
-            <a:r>
-              <a:rPr b="1"/>
-              <a:t>Sticky wage</a:t>
-            </a:r>
-          </a:p>
-          <a:p>
-            <a:pPr lvl="0"/>
-            <a:r>
-              <a:rPr/>
-              <a:t>nominal wage typically does not move in the short-run:</a:t>
-            </a:r>
-          </a:p>
-          <a:p>
-            <a:pPr lvl="1"/>
-            <a:r>
-              <a:rPr/>
-              <a:t>nominal wage usually written in a contract.</a:t>
-            </a:r>
-          </a:p>
-          <a:p>
-            <a:pPr lvl="1"/>
-            <a:r>
-              <a:rPr/>
-              <a:t>especially if there’s minimum wage.</a:t>
-            </a:r>
-          </a:p>
-          <a:p>
-            <a:pPr lvl="0"/>
-            <a:r>
-              <a:rPr/>
-              <a:t>in the long run, minimum wage can be revised, and contracts can be renewed.</a:t>
-            </a:r>
-          </a:p>
-          <a:p>
-            <a:pPr lvl="0"/>
-            <a:r>
-              <a:rPr/>
-              <a:t>note that some wage can adjust quickly (think of Gojek’s surge pricing).</a:t>
-            </a:r>
-          </a:p>
-          <a:p>
-            <a:pPr lvl="0"/>
-            <a:r>
-              <a:rPr/>
-              <a:t>However, since most are sticky, in aggregate, nominal wage is still quite sticky.</a:t>
-            </a:r>
-          </a:p>
-        </p:txBody>
-      </p:sp>
-    </p:spTree>
-  </p:cSld>
-</p:sld>
-</file>
-
-<file path=ppt/slides/slide27.xml><?xml version="1.0" encoding="utf-8"?>
-<p:sld xmlns:a="http://schemas.openxmlformats.org/drawingml/2006/main" xmlns:r="http://schemas.openxmlformats.org/officeDocument/2006/relationships" xmlns:p="http://schemas.openxmlformats.org/presentationml/2006/main">
-  <p:cSld>
-    <p:spTree>
-      <p:nvGrpSpPr>
-        <p:cNvPr id="1" name=""/>
-        <p:cNvGrpSpPr/>
-        <p:nvPr/>
-      </p:nvGrpSpPr>
-      <p:grpSpPr>
-        <a:xfrm>
-          <a:off x="0" y="0"/>
-          <a:ext cx="0" cy="0"/>
-          <a:chOff x="0" y="0"/>
-          <a:chExt cx="0" cy="0"/>
-        </a:xfrm>
-      </p:grpSpPr>
-      <p:sp>
-        <p:nvSpPr>
-          <p:cNvPr id="3" name="Content Placeholder 2"/>
-          <p:cNvSpPr>
-            <a:spLocks noGrp="1"/>
-          </p:cNvSpPr>
-          <p:nvPr>
-            <p:ph idx="1"/>
-          </p:nvPr>
-        </p:nvSpPr>
-        <p:spPr/>
-        <p:txBody>
-          <a:bodyPr/>
-          <a:lstStyle/>
-          <a:p>
-            <a:pPr lvl="0" indent="0" marL="0">
-              <a:spcBef>
-                <a:spcPts val="3000"/>
-              </a:spcBef>
-              <a:buNone/>
-            </a:pPr>
-            <a:r>
-              <a:rPr b="1"/>
-              <a:t>Sticky wage</a:t>
-            </a:r>
-          </a:p>
-          <a:p>
-            <a:pPr lvl="0"/>
-            <a:r>
-              <a:rPr/>
-              <a:t>The sticky wage forces producer to reduce output when price is decreasing.</a:t>
-            </a:r>
-          </a:p>
-          <a:p>
-            <a:pPr lvl="0"/>
-            <a:r>
-              <a:rPr/>
-              <a:t>On the other hand, when demand is strong, some firms increasing output while increasing their price as well because increasing output cannot be done quickly.</a:t>
-            </a:r>
-          </a:p>
-          <a:p>
-            <a:pPr lvl="0"/>
-            <a:r>
-              <a:rPr/>
-              <a:t>This leads to positive relationship between aggregate price level and short-run aggregate supply.</a:t>
-            </a:r>
-          </a:p>
-        </p:txBody>
-      </p:sp>
-    </p:spTree>
-  </p:cSld>
-</p:sld>
-</file>
-
-<file path=ppt/slides/slide28.xml><?xml version="1.0" encoding="utf-8"?>
-<p:sld xmlns:a="http://schemas.openxmlformats.org/drawingml/2006/main" xmlns:r="http://schemas.openxmlformats.org/officeDocument/2006/relationships" xmlns:p="http://schemas.openxmlformats.org/presentationml/2006/main">
-  <p:cSld>
-    <p:spTree>
-      <p:nvGrpSpPr>
-        <p:cNvPr id="1" name=""/>
-        <p:cNvGrpSpPr/>
-        <p:nvPr/>
-      </p:nvGrpSpPr>
-      <p:grpSpPr>
-        <a:xfrm>
-          <a:off x="0" y="0"/>
-          <a:ext cx="0" cy="0"/>
-          <a:chOff x="0" y="0"/>
-          <a:chExt cx="0" cy="0"/>
-        </a:xfrm>
-      </p:grpSpPr>
-      <p:sp>
-        <p:nvSpPr>
-          <p:cNvPr id="3" name="Content Placeholder 2"/>
-          <p:cNvSpPr>
-            <a:spLocks noGrp="1"/>
-          </p:cNvSpPr>
-          <p:nvPr>
-            <p:ph idx="1"/>
-          </p:nvPr>
-        </p:nvSpPr>
-        <p:spPr/>
-        <p:txBody>
-          <a:bodyPr/>
-          <a:lstStyle/>
-          <a:p>
-            <a:pPr lvl="0" indent="0" marL="0">
-              <a:spcBef>
-                <a:spcPts val="3000"/>
-              </a:spcBef>
-              <a:buNone/>
-            </a:pPr>
-            <a:r>
-              <a:rPr b="1"/>
-              <a:t>What shifts SRAS</a:t>
-            </a:r>
-          </a:p>
-          <a:p>
-            <a:pPr lvl="0" indent="-342900" marL="342900">
-              <a:buAutoNum type="arabicPeriod"/>
-            </a:pPr>
-            <a:r>
-              <a:rPr b="1"/>
-              <a:t>Changes in commodity prices</a:t>
-            </a:r>
-            <a:r>
-              <a:rPr/>
-              <a:t>. Commodities (oil, CPO, minerals) are counted as inputs, so their price change are not included in the GDP. When prices of these things go up, the final goods produced is reduced and SRAS shifts to the left.</a:t>
-            </a:r>
-          </a:p>
-          <a:p>
-            <a:pPr lvl="0" indent="-342900" marL="342900">
-              <a:buAutoNum type="arabicPeriod"/>
-            </a:pPr>
-            <a:r>
-              <a:rPr b="1"/>
-              <a:t>Changes in nominal wages</a:t>
-            </a:r>
-            <a:r>
-              <a:rPr/>
-              <a:t>. In the long-run, nominal wage will change: when in go up, SRAS shifts to the left.</a:t>
-            </a:r>
-          </a:p>
-          <a:p>
-            <a:pPr lvl="0" indent="-342900" marL="342900">
-              <a:buAutoNum type="arabicPeriod"/>
-            </a:pPr>
-            <a:r>
-              <a:rPr b="1"/>
-              <a:t>changes in productivity</a:t>
-            </a:r>
-            <a:r>
-              <a:rPr/>
-              <a:t>. Any improvement to productivity shifts SRAS to the right.</a:t>
-            </a:r>
-          </a:p>
-        </p:txBody>
-      </p:sp>
-    </p:spTree>
-  </p:cSld>
-</p:sld>
-</file>
-
 <file path=ppt/slides/slide29.xml><?xml version="1.0" encoding="utf-8"?>
 <p:sld xmlns:a="http://schemas.openxmlformats.org/drawingml/2006/main" xmlns:r="http://schemas.openxmlformats.org/officeDocument/2006/relationships" xmlns:p="http://schemas.openxmlformats.org/presentationml/2006/main">
   <p:cSld>
@@ -5822,6 +5604,31 @@
       </p:grpSpPr>
       <p:sp>
         <p:nvSpPr>
+          <p:cNvPr id="2" name="Title 1"/>
+          <p:cNvSpPr>
+            <a:spLocks noGrp="1"/>
+          </p:cNvSpPr>
+          <p:nvPr>
+            <p:ph type="title"/>
+          </p:nvPr>
+        </p:nvSpPr>
+        <p:spPr/>
+        <p:txBody>
+          <a:bodyPr/>
+          <a:lstStyle/>
+          <a:p>
+            <a:pPr lvl="0" indent="0" marL="0">
+              <a:buNone/>
+            </a:pPr>
+            <a:r>
+              <a:rPr/>
+              <a:t>Aggregate supply</a:t>
+            </a:r>
+          </a:p>
+        </p:txBody>
+      </p:sp>
+      <p:sp>
+        <p:nvSpPr>
           <p:cNvPr id="3" name="Content Placeholder 2"/>
           <p:cNvSpPr>
             <a:spLocks noGrp="1"/>
@@ -5835,58 +5642,54 @@
           <a:bodyPr/>
           <a:lstStyle/>
           <a:p>
-            <a:pPr lvl="0" indent="0" marL="0">
-              <a:spcBef>
-                <a:spcPts val="3000"/>
-              </a:spcBef>
-              <a:buNone/>
-            </a:pPr>
+            <a:pPr lvl="0"/>
+            <a:r>
+              <a:rPr/>
+              <a:t>Aggregate supply is a bit similar to the market analysis.</a:t>
+            </a:r>
+          </a:p>
+          <a:p>
+            <a:pPr lvl="1"/>
+            <a:r>
+              <a:rPr/>
+              <a:t>There are two different AS curves: short-run and long-run</a:t>
+            </a:r>
+          </a:p>
+          <a:p>
+            <a:pPr lvl="0"/>
+            <a:r>
+              <a:rPr/>
+              <a:t>The short-run aggregate supply (SRAS) is </a:t>
+            </a:r>
             <a:r>
               <a:rPr b="1"/>
-              <a:t>Long Run Aggregate Supply Curve (LRAS)</a:t>
+              <a:t>upward sloping</a:t>
+            </a:r>
+            <a:r>
+              <a:rPr/>
+              <a:t>: when aggregate price level goes down, quantity supplied goes down as well.</a:t>
             </a:r>
           </a:p>
           <a:p>
             <a:pPr lvl="0"/>
             <a:r>
               <a:rPr/>
-              <a:t>In the short-run, price changes is faster than changes in input prices and wages.</a:t>
+              <a:t>Profit = selling price minus production cost. When selling price changes, production cost can be hard to adjust.</a:t>
             </a:r>
           </a:p>
           <a:p>
             <a:pPr lvl="0"/>
             <a:r>
               <a:rPr/>
-              <a:t>In the long-run, input prices and wages adjusts:</a:t>
-            </a:r>
-          </a:p>
-          <a:p>
-            <a:pPr lvl="1"/>
-            <a:r>
-              <a:rPr/>
-              <a:t>if firms reduce output, they reduce demand for labour and inputs. In turn, prices for these things go down as well.</a:t>
-            </a:r>
-          </a:p>
-          <a:p>
-            <a:pPr lvl="0"/>
-            <a:r>
-              <a:rPr/>
-              <a:t>What will happen when both prices of final goods and inputs reduce? The answer is </a:t>
+              <a:t>This is caused by </a:t>
             </a:r>
             <a:r>
               <a:rPr b="1"/>
-              <a:t>nothing</a:t>
-            </a:r>
-            <a:r>
-              <a:rPr/>
-              <a:t>.</a:t>
-            </a:r>
-          </a:p>
-          <a:p>
-            <a:pPr lvl="0"/>
-            <a:r>
-              <a:rPr/>
-              <a:t>In the long-run, adjustment of prices leads to no change in aggregate output / GDP.</a:t>
+              <a:t>sticky wages</a:t>
+            </a:r>
+            <a:r>
+              <a:rPr/>
+              <a:t> in the short run.</a:t>
             </a:r>
           </a:p>
         </p:txBody>
@@ -5915,12 +5718,12 @@
       </p:grpSpPr>
       <p:sp>
         <p:nvSpPr>
-          <p:cNvPr id="3" name="Content Placeholder 2"/>
-          <p:cNvSpPr>
-            <a:spLocks noGrp="1"/>
-          </p:cNvSpPr>
-          <p:nvPr>
-            <p:ph idx="1"/>
+          <p:cNvPr id="2" name="Title 1"/>
+          <p:cNvSpPr>
+            <a:spLocks noGrp="1"/>
+          </p:cNvSpPr>
+          <p:nvPr>
+            <p:ph type="title"/>
           </p:nvPr>
         </p:nvSpPr>
         <p:spPr/>
@@ -5929,72 +5732,571 @@
           <a:lstStyle/>
           <a:p>
             <a:pPr lvl="0" indent="0" marL="0">
-              <a:spcBef>
-                <a:spcPts val="3000"/>
-              </a:spcBef>
               <a:buNone/>
             </a:pPr>
             <a:r>
-              <a:rPr b="1"/>
-              <a:t>Determinant of productivity</a:t>
-            </a:r>
-          </a:p>
-          <a:p>
-            <a:pPr lvl="0" indent="0" marL="0">
-              <a:buNone/>
-            </a:pPr>
-            <a:r>
-              <a:rPr/>
-              <a:t>Three main determinant of productivity:</a:t>
-            </a:r>
-          </a:p>
-          <a:p>
-            <a:pPr lvl="0" indent="-342900" marL="342900">
-              <a:buAutoNum type="arabicPeriod"/>
-            </a:pPr>
-            <a:r>
-              <a:rPr b="1"/>
-              <a:t>Increase in physical capital</a:t>
-            </a:r>
-            <a:r>
-              <a:rPr/>
-              <a:t>. A farmer with a tractor can plow more acres of land than with a hoe or a bull.</a:t>
-            </a:r>
-          </a:p>
-          <a:p>
-            <a:pPr lvl="0" indent="-342900" marL="342900">
-              <a:buAutoNum type="arabicPeriod"/>
-            </a:pPr>
-            <a:r>
-              <a:rPr b="1"/>
-              <a:t>Increase in human capital</a:t>
-            </a:r>
-            <a:r>
-              <a:rPr/>
-              <a:t>. Usually measured by education and training.</a:t>
-            </a:r>
-          </a:p>
-          <a:p>
-            <a:pPr lvl="0" indent="-342900" marL="342900">
-              <a:buAutoNum type="arabicPeriod"/>
-            </a:pPr>
-            <a:r>
-              <a:rPr b="1"/>
-              <a:t>Technological progress</a:t>
-            </a:r>
-            <a:r>
-              <a:rPr/>
-              <a:t>, such as the invention of combustion engines, internet, etc. While major invention is important, Note that it is also important to consider smaller technological progress such as a simple post-it.</a:t>
-            </a:r>
-          </a:p>
-        </p:txBody>
-      </p:sp>
+              <a:rPr/>
+              <a:t>Measuring economic growth</a:t>
+            </a:r>
+          </a:p>
+        </p:txBody>
+      </p:sp>
+      <mc:AlternateContent xmlns:mc="http://schemas.openxmlformats.org/markup-compatibility/2006">
+        <mc:Choice xmlns:a14="http://schemas.microsoft.com/office/drawing/2010/main" Requires="a14">
+          <p:sp>
+            <p:nvSpPr>
+              <p:cNvPr id="3" name="Content Placeholder 2"/>
+              <p:cNvSpPr>
+                <a:spLocks noGrp="1"/>
+              </p:cNvSpPr>
+              <p:nvPr>
+                <p:ph idx="1"/>
+              </p:nvPr>
+            </p:nvSpPr>
+            <p:spPr/>
+            <p:txBody>
+              <a:bodyPr/>
+              <a:lstStyle/>
+              <a:p>
+                <a:pPr lvl="0"/>
+                <a:r>
+                  <a:rPr/>
+                  <a:t>We’ve learned that there are many ways to look at GDP:</a:t>
+                </a:r>
+              </a:p>
+              <a:p>
+                <a:pPr lvl="1"/>
+                <a:r>
+                  <a:rPr/>
+                  <a:t>Nominal GDP is the easiest method but not very useful.</a:t>
+                </a:r>
+              </a:p>
+              <a:p>
+                <a:pPr lvl="1"/>
+                <a:r>
+                  <a:rPr/>
+                  <a:t>Real GDP eliminates price level.</a:t>
+                </a:r>
+              </a:p>
+              <a:p>
+                <a:pPr lvl="0"/>
+                <a:r>
+                  <a:rPr/>
+                  <a:t>We calculate growth using Real GDP.</a:t>
+                </a:r>
+              </a:p>
+              <a:p>
+                <a:pPr lvl="0" indent="0" marL="0">
+                  <a:buNone/>
+                </a:pPr>
+                <a14:m>
+                  <m:oMathPara xmlns:m="http://schemas.openxmlformats.org/officeDocument/2006/math">
+                    <m:oMathParaPr>
+                      <m:jc m:val="center"/>
+                    </m:oMathParaPr>
+                    <m:oMath>
+                      <m:r>
+                        <m:rPr>
+                          <m:nor/>
+                          <m:sty m:val="p"/>
+                        </m:rPr>
+                        <m:t>growth</m:t>
+                      </m:r>
+                      <m:r>
+                        <m:rPr>
+                          <m:sty m:val="p"/>
+                        </m:rPr>
+                        <m:t>=</m:t>
+                      </m:r>
+                      <m:f>
+                        <m:fPr>
+                          <m:type m:val="bar"/>
+                        </m:fPr>
+                        <m:num>
+                          <m:sSub>
+                            <m:e>
+                              <m:r>
+                                <m:rPr>
+                                  <m:nor/>
+                                  <m:sty m:val="p"/>
+                                </m:rPr>
+                                <m:t>real GDP</m:t>
+                              </m:r>
+                            </m:e>
+                            <m:sub>
+                              <m:r>
+                                <m:t>2</m:t>
+                              </m:r>
+                            </m:sub>
+                          </m:sSub>
+                          <m:r>
+                            <m:rPr>
+                              <m:sty m:val="p"/>
+                            </m:rPr>
+                            <m:t>−</m:t>
+                          </m:r>
+                          <m:sSub>
+                            <m:e>
+                              <m:r>
+                                <m:rPr>
+                                  <m:nor/>
+                                  <m:sty m:val="p"/>
+                                </m:rPr>
+                                <m:t>real GDP</m:t>
+                              </m:r>
+                            </m:e>
+                            <m:sub>
+                              <m:r>
+                                <m:t>1</m:t>
+                              </m:r>
+                            </m:sub>
+                          </m:sSub>
+                        </m:num>
+                        <m:den>
+                          <m:sSub>
+                            <m:e>
+                              <m:r>
+                                <m:rPr>
+                                  <m:nor/>
+                                  <m:sty m:val="p"/>
+                                </m:rPr>
+                                <m:t>real GDP</m:t>
+                              </m:r>
+                            </m:e>
+                            <m:sub>
+                              <m:r>
+                                <m:t>1</m:t>
+                              </m:r>
+                            </m:sub>
+                          </m:sSub>
+                        </m:den>
+                      </m:f>
+                      <m:r>
+                        <m:rPr>
+                          <m:sty m:val="p"/>
+                        </m:rPr>
+                        <m:t>×</m:t>
+                      </m:r>
+                      <m:r>
+                        <m:t>100</m:t>
+                      </m:r>
+                      <m:r>
+                        <m:rPr>
+                          <m:sty m:val="p"/>
+                        </m:rPr>
+                        <m:t>%</m:t>
+                      </m:r>
+                    </m:oMath>
+                  </m:oMathPara>
+                </a14:m>
+              </a:p>
+            </p:txBody>
+          </p:sp>
+        </mc:Choice>
+      </mc:AlternateContent>
     </p:spTree>
   </p:cSld>
 </p:sld>
 </file>
 
 <file path=ppt/slides/slide30.xml><?xml version="1.0" encoding="utf-8"?>
+<p:sld xmlns:a="http://schemas.openxmlformats.org/drawingml/2006/main" xmlns:r="http://schemas.openxmlformats.org/officeDocument/2006/relationships" xmlns:p="http://schemas.openxmlformats.org/presentationml/2006/main">
+  <p:cSld>
+    <p:spTree>
+      <p:nvGrpSpPr>
+        <p:cNvPr id="1" name=""/>
+        <p:cNvGrpSpPr/>
+        <p:nvPr/>
+      </p:nvGrpSpPr>
+      <p:grpSpPr>
+        <a:xfrm>
+          <a:off x="0" y="0"/>
+          <a:ext cx="0" cy="0"/>
+          <a:chOff x="0" y="0"/>
+          <a:chExt cx="0" cy="0"/>
+        </a:xfrm>
+      </p:grpSpPr>
+      <p:sp>
+        <p:nvSpPr>
+          <p:cNvPr id="2" name="Title 1"/>
+          <p:cNvSpPr>
+            <a:spLocks noGrp="1"/>
+          </p:cNvSpPr>
+          <p:nvPr>
+            <p:ph type="title"/>
+          </p:nvPr>
+        </p:nvSpPr>
+        <p:spPr/>
+        <p:txBody>
+          <a:bodyPr/>
+          <a:lstStyle/>
+          <a:p>
+            <a:pPr lvl="0" indent="0" marL="0">
+              <a:buNone/>
+            </a:pPr>
+            <a:r>
+              <a:rPr/>
+              <a:t>Sticky wage</a:t>
+            </a:r>
+          </a:p>
+        </p:txBody>
+      </p:sp>
+      <p:sp>
+        <p:nvSpPr>
+          <p:cNvPr id="3" name="Content Placeholder 2"/>
+          <p:cNvSpPr>
+            <a:spLocks noGrp="1"/>
+          </p:cNvSpPr>
+          <p:nvPr>
+            <p:ph idx="1"/>
+          </p:nvPr>
+        </p:nvSpPr>
+        <p:spPr/>
+        <p:txBody>
+          <a:bodyPr/>
+          <a:lstStyle/>
+          <a:p>
+            <a:pPr lvl="0"/>
+            <a:r>
+              <a:rPr/>
+              <a:t>nominal wage typically does not move in the short-run:</a:t>
+            </a:r>
+          </a:p>
+          <a:p>
+            <a:pPr lvl="1"/>
+            <a:r>
+              <a:rPr/>
+              <a:t>nominal wage usually written in a contract.</a:t>
+            </a:r>
+          </a:p>
+          <a:p>
+            <a:pPr lvl="1"/>
+            <a:r>
+              <a:rPr/>
+              <a:t>especially if there’s minimum wage.</a:t>
+            </a:r>
+          </a:p>
+          <a:p>
+            <a:pPr lvl="0"/>
+            <a:r>
+              <a:rPr/>
+              <a:t>in the long run, minimum wage can be revised, and contracts can be renewed.</a:t>
+            </a:r>
+          </a:p>
+          <a:p>
+            <a:pPr lvl="0"/>
+            <a:r>
+              <a:rPr/>
+              <a:t>note that some wage can adjust quickly (think of Gojek’s surge pricing).</a:t>
+            </a:r>
+          </a:p>
+          <a:p>
+            <a:pPr lvl="0"/>
+            <a:r>
+              <a:rPr/>
+              <a:t>However, since most are sticky, in aggregate, nominal wage is still quite sticky.</a:t>
+            </a:r>
+          </a:p>
+        </p:txBody>
+      </p:sp>
+    </p:spTree>
+  </p:cSld>
+</p:sld>
+</file>
+
+<file path=ppt/slides/slide31.xml><?xml version="1.0" encoding="utf-8"?>
+<p:sld xmlns:a="http://schemas.openxmlformats.org/drawingml/2006/main" xmlns:r="http://schemas.openxmlformats.org/officeDocument/2006/relationships" xmlns:p="http://schemas.openxmlformats.org/presentationml/2006/main">
+  <p:cSld>
+    <p:spTree>
+      <p:nvGrpSpPr>
+        <p:cNvPr id="1" name=""/>
+        <p:cNvGrpSpPr/>
+        <p:nvPr/>
+      </p:nvGrpSpPr>
+      <p:grpSpPr>
+        <a:xfrm>
+          <a:off x="0" y="0"/>
+          <a:ext cx="0" cy="0"/>
+          <a:chOff x="0" y="0"/>
+          <a:chExt cx="0" cy="0"/>
+        </a:xfrm>
+      </p:grpSpPr>
+      <p:sp>
+        <p:nvSpPr>
+          <p:cNvPr id="2" name="Title 1"/>
+          <p:cNvSpPr>
+            <a:spLocks noGrp="1"/>
+          </p:cNvSpPr>
+          <p:nvPr>
+            <p:ph type="title"/>
+          </p:nvPr>
+        </p:nvSpPr>
+        <p:spPr/>
+        <p:txBody>
+          <a:bodyPr/>
+          <a:lstStyle/>
+          <a:p>
+            <a:pPr lvl="0" indent="0" marL="0">
+              <a:buNone/>
+            </a:pPr>
+            <a:r>
+              <a:rPr/>
+              <a:t>Sticky wage</a:t>
+            </a:r>
+          </a:p>
+        </p:txBody>
+      </p:sp>
+      <p:sp>
+        <p:nvSpPr>
+          <p:cNvPr id="3" name="Content Placeholder 2"/>
+          <p:cNvSpPr>
+            <a:spLocks noGrp="1"/>
+          </p:cNvSpPr>
+          <p:nvPr>
+            <p:ph idx="1"/>
+          </p:nvPr>
+        </p:nvSpPr>
+        <p:spPr/>
+        <p:txBody>
+          <a:bodyPr/>
+          <a:lstStyle/>
+          <a:p>
+            <a:pPr lvl="0"/>
+            <a:r>
+              <a:rPr/>
+              <a:t>The sticky wage forces producer to reduce output when price is decreasing.</a:t>
+            </a:r>
+          </a:p>
+          <a:p>
+            <a:pPr lvl="0"/>
+            <a:r>
+              <a:rPr/>
+              <a:t>On the other hand, when demand is strong, some firms increasing output while increasing their price as well because increasing output cannot be done quickly.</a:t>
+            </a:r>
+          </a:p>
+          <a:p>
+            <a:pPr lvl="0"/>
+            <a:r>
+              <a:rPr/>
+              <a:t>This leads to positive relationship between aggregate price level and short-run aggregate supply.</a:t>
+            </a:r>
+          </a:p>
+        </p:txBody>
+      </p:sp>
+    </p:spTree>
+  </p:cSld>
+</p:sld>
+</file>
+
+<file path=ppt/slides/slide32.xml><?xml version="1.0" encoding="utf-8"?>
+<p:sld xmlns:a="http://schemas.openxmlformats.org/drawingml/2006/main" xmlns:r="http://schemas.openxmlformats.org/officeDocument/2006/relationships" xmlns:p="http://schemas.openxmlformats.org/presentationml/2006/main">
+  <p:cSld>
+    <p:spTree>
+      <p:nvGrpSpPr>
+        <p:cNvPr id="1" name=""/>
+        <p:cNvGrpSpPr/>
+        <p:nvPr/>
+      </p:nvGrpSpPr>
+      <p:grpSpPr>
+        <a:xfrm>
+          <a:off x="0" y="0"/>
+          <a:ext cx="0" cy="0"/>
+          <a:chOff x="0" y="0"/>
+          <a:chExt cx="0" cy="0"/>
+        </a:xfrm>
+      </p:grpSpPr>
+      <p:sp>
+        <p:nvSpPr>
+          <p:cNvPr id="2" name="Title 1"/>
+          <p:cNvSpPr>
+            <a:spLocks noGrp="1"/>
+          </p:cNvSpPr>
+          <p:nvPr>
+            <p:ph type="title"/>
+          </p:nvPr>
+        </p:nvSpPr>
+        <p:spPr/>
+        <p:txBody>
+          <a:bodyPr/>
+          <a:lstStyle/>
+          <a:p>
+            <a:pPr lvl="0" indent="0" marL="0">
+              <a:buNone/>
+            </a:pPr>
+            <a:r>
+              <a:rPr/>
+              <a:t>What shifts SRAS</a:t>
+            </a:r>
+          </a:p>
+        </p:txBody>
+      </p:sp>
+      <p:sp>
+        <p:nvSpPr>
+          <p:cNvPr id="3" name="Content Placeholder 2"/>
+          <p:cNvSpPr>
+            <a:spLocks noGrp="1"/>
+          </p:cNvSpPr>
+          <p:nvPr>
+            <p:ph idx="1"/>
+          </p:nvPr>
+        </p:nvSpPr>
+        <p:spPr/>
+        <p:txBody>
+          <a:bodyPr/>
+          <a:lstStyle/>
+          <a:p>
+            <a:pPr lvl="0" indent="-342900" marL="342900">
+              <a:buAutoNum type="arabicPeriod"/>
+            </a:pPr>
+            <a:r>
+              <a:rPr b="1"/>
+              <a:t>Changes in commodity prices</a:t>
+            </a:r>
+            <a:r>
+              <a:rPr/>
+              <a:t>. Commodities (oil, CPO, minerals) are counted as inputs, so their price change are not included in the GDP. When prices of these things go up, the final goods produced is reduced and SRAS shifts to the left.</a:t>
+            </a:r>
+          </a:p>
+          <a:p>
+            <a:pPr lvl="0" indent="-342900" marL="342900">
+              <a:buAutoNum type="arabicPeriod"/>
+            </a:pPr>
+            <a:r>
+              <a:rPr b="1"/>
+              <a:t>Changes in nominal wages</a:t>
+            </a:r>
+            <a:r>
+              <a:rPr/>
+              <a:t>. In the long-run, nominal wage will change: when in go up, SRAS shifts to the left.</a:t>
+            </a:r>
+          </a:p>
+          <a:p>
+            <a:pPr lvl="0" indent="-342900" marL="342900">
+              <a:buAutoNum type="arabicPeriod"/>
+            </a:pPr>
+            <a:r>
+              <a:rPr b="1"/>
+              <a:t>changes in productivity</a:t>
+            </a:r>
+            <a:r>
+              <a:rPr/>
+              <a:t>. Any improvement to productivity shifts SRAS to the right.</a:t>
+            </a:r>
+          </a:p>
+        </p:txBody>
+      </p:sp>
+    </p:spTree>
+  </p:cSld>
+</p:sld>
+</file>
+
+<file path=ppt/slides/slide33.xml><?xml version="1.0" encoding="utf-8"?>
+<p:sld xmlns:a="http://schemas.openxmlformats.org/drawingml/2006/main" xmlns:r="http://schemas.openxmlformats.org/officeDocument/2006/relationships" xmlns:p="http://schemas.openxmlformats.org/presentationml/2006/main">
+  <p:cSld>
+    <p:spTree>
+      <p:nvGrpSpPr>
+        <p:cNvPr id="1" name=""/>
+        <p:cNvGrpSpPr/>
+        <p:nvPr/>
+      </p:nvGrpSpPr>
+      <p:grpSpPr>
+        <a:xfrm>
+          <a:off x="0" y="0"/>
+          <a:ext cx="0" cy="0"/>
+          <a:chOff x="0" y="0"/>
+          <a:chExt cx="0" cy="0"/>
+        </a:xfrm>
+      </p:grpSpPr>
+      <p:sp>
+        <p:nvSpPr>
+          <p:cNvPr id="2" name="Title 1"/>
+          <p:cNvSpPr>
+            <a:spLocks noGrp="1"/>
+          </p:cNvSpPr>
+          <p:nvPr>
+            <p:ph type="title"/>
+          </p:nvPr>
+        </p:nvSpPr>
+        <p:spPr/>
+        <p:txBody>
+          <a:bodyPr/>
+          <a:lstStyle/>
+          <a:p>
+            <a:pPr lvl="0" indent="0" marL="0">
+              <a:buNone/>
+            </a:pPr>
+            <a:r>
+              <a:rPr/>
+              <a:t>Long Run Aggregate Supply Curve (LRAS)</a:t>
+            </a:r>
+          </a:p>
+        </p:txBody>
+      </p:sp>
+      <p:sp>
+        <p:nvSpPr>
+          <p:cNvPr id="3" name="Content Placeholder 2"/>
+          <p:cNvSpPr>
+            <a:spLocks noGrp="1"/>
+          </p:cNvSpPr>
+          <p:nvPr>
+            <p:ph idx="1"/>
+          </p:nvPr>
+        </p:nvSpPr>
+        <p:spPr/>
+        <p:txBody>
+          <a:bodyPr/>
+          <a:lstStyle/>
+          <a:p>
+            <a:pPr lvl="0"/>
+            <a:r>
+              <a:rPr/>
+              <a:t>In the short-run, price changes is faster than changes in input prices and wages.</a:t>
+            </a:r>
+          </a:p>
+          <a:p>
+            <a:pPr lvl="0"/>
+            <a:r>
+              <a:rPr/>
+              <a:t>In the long-run, input prices and wages adjusts:</a:t>
+            </a:r>
+          </a:p>
+          <a:p>
+            <a:pPr lvl="1"/>
+            <a:r>
+              <a:rPr/>
+              <a:t>if firms reduce output, they reduce demand for labour and inputs. In turn, prices for these things go down as well.</a:t>
+            </a:r>
+          </a:p>
+          <a:p>
+            <a:pPr lvl="0"/>
+            <a:r>
+              <a:rPr/>
+              <a:t>What will happen when both prices of final goods and inputs reduce? The answer is </a:t>
+            </a:r>
+            <a:r>
+              <a:rPr b="1"/>
+              <a:t>nothing</a:t>
+            </a:r>
+            <a:r>
+              <a:rPr/>
+              <a:t>.</a:t>
+            </a:r>
+          </a:p>
+          <a:p>
+            <a:pPr lvl="0"/>
+            <a:r>
+              <a:rPr/>
+              <a:t>In the long-run, adjustment of prices leads to no change in aggregate output / GDP.</a:t>
+            </a:r>
+          </a:p>
+        </p:txBody>
+      </p:sp>
+    </p:spTree>
+  </p:cSld>
+</p:sld>
+</file>
+
+<file path=ppt/slides/slide34.xml><?xml version="1.0" encoding="utf-8"?>
 <p:sld xmlns:a="http://schemas.openxmlformats.org/drawingml/2006/main" xmlns:r="http://schemas.openxmlformats.org/officeDocument/2006/relationships" xmlns:p="http://schemas.openxmlformats.org/presentationml/2006/main">
   <p:cSld>
     <p:spTree>
@@ -6076,7 +6378,7 @@
 </p:sld>
 </file>
 
-<file path=ppt/slides/slide31.xml><?xml version="1.0" encoding="utf-8"?>
+<file path=ppt/slides/slide35.xml><?xml version="1.0" encoding="utf-8"?>
 <p:sld xmlns:a="http://schemas.openxmlformats.org/drawingml/2006/main" xmlns:r="http://schemas.openxmlformats.org/officeDocument/2006/relationships" xmlns:p="http://schemas.openxmlformats.org/presentationml/2006/main">
   <p:cSld>
     <p:spTree>
@@ -6095,6 +6397,31 @@
       </p:grpSpPr>
       <p:sp>
         <p:nvSpPr>
+          <p:cNvPr id="2" name="Title 1"/>
+          <p:cNvSpPr>
+            <a:spLocks noGrp="1"/>
+          </p:cNvSpPr>
+          <p:nvPr>
+            <p:ph type="title"/>
+          </p:nvPr>
+        </p:nvSpPr>
+        <p:spPr/>
+        <p:txBody>
+          <a:bodyPr/>
+          <a:lstStyle/>
+          <a:p>
+            <a:pPr lvl="0" indent="0" marL="0">
+              <a:buNone/>
+            </a:pPr>
+            <a:r>
+              <a:rPr/>
+              <a:t>From SRAS to LRAS</a:t>
+            </a:r>
+          </a:p>
+        </p:txBody>
+      </p:sp>
+      <p:sp>
+        <p:nvSpPr>
           <p:cNvPr id="3" name="Content Placeholder 2"/>
           <p:cNvSpPr>
             <a:spLocks noGrp="1"/>
@@ -6107,18 +6434,6 @@
         <p:txBody>
           <a:bodyPr/>
           <a:lstStyle/>
-          <a:p>
-            <a:pPr lvl="0" indent="0" marL="0">
-              <a:spcBef>
-                <a:spcPts val="3000"/>
-              </a:spcBef>
-              <a:buNone/>
-            </a:pPr>
-            <a:r>
-              <a:rPr b="1"/>
-              <a:t>From SRAS to LRAS</a:t>
-            </a:r>
-          </a:p>
           <a:p>
             <a:pPr lvl="0"/>
             <a:r>
@@ -6186,7 +6501,7 @@
 </p:sld>
 </file>
 
-<file path=ppt/slides/slide32.xml><?xml version="1.0" encoding="utf-8"?>
+<file path=ppt/slides/slide36.xml><?xml version="1.0" encoding="utf-8"?>
 <p:sld xmlns:a="http://schemas.openxmlformats.org/drawingml/2006/main" xmlns:r="http://schemas.openxmlformats.org/officeDocument/2006/relationships" xmlns:p="http://schemas.openxmlformats.org/presentationml/2006/main">
   <p:cSld>
     <p:spTree>
@@ -6205,6 +6520,31 @@
       </p:grpSpPr>
       <p:sp>
         <p:nvSpPr>
+          <p:cNvPr id="2" name="Title 1"/>
+          <p:cNvSpPr>
+            <a:spLocks noGrp="1"/>
+          </p:cNvSpPr>
+          <p:nvPr>
+            <p:ph type="title"/>
+          </p:nvPr>
+        </p:nvSpPr>
+        <p:spPr/>
+        <p:txBody>
+          <a:bodyPr/>
+          <a:lstStyle/>
+          <a:p>
+            <a:pPr lvl="0" indent="0" marL="0">
+              <a:buNone/>
+            </a:pPr>
+            <a:r>
+              <a:rPr/>
+              <a:t>Self-correction mechanism</a:t>
+            </a:r>
+          </a:p>
+        </p:txBody>
+      </p:sp>
+      <p:sp>
+        <p:nvSpPr>
           <p:cNvPr id="3" name="Content Placeholder 2"/>
           <p:cNvSpPr>
             <a:spLocks noGrp="1"/>
@@ -6217,18 +6557,6 @@
         <p:txBody>
           <a:bodyPr/>
           <a:lstStyle/>
-          <a:p>
-            <a:pPr lvl="0" indent="0" marL="0">
-              <a:spcBef>
-                <a:spcPts val="3000"/>
-              </a:spcBef>
-              <a:buNone/>
-            </a:pPr>
-            <a:r>
-              <a:rPr b="1"/>
-              <a:t>Self-correction mechanism</a:t>
-            </a:r>
-          </a:p>
           <a:p>
             <a:pPr lvl="0"/>
             <a:r>
@@ -6280,7 +6608,7 @@
 </p:sld>
 </file>
 
-<file path=ppt/slides/slide33.xml><?xml version="1.0" encoding="utf-8"?>
+<file path=ppt/slides/slide37.xml><?xml version="1.0" encoding="utf-8"?>
 <p:sld xmlns:a="http://schemas.openxmlformats.org/drawingml/2006/main" xmlns:r="http://schemas.openxmlformats.org/officeDocument/2006/relationships" xmlns:p="http://schemas.openxmlformats.org/presentationml/2006/main">
   <p:cSld>
     <p:spTree>
@@ -6299,6 +6627,31 @@
       </p:grpSpPr>
       <p:sp>
         <p:nvSpPr>
+          <p:cNvPr id="2" name="Title 1"/>
+          <p:cNvSpPr>
+            <a:spLocks noGrp="1"/>
+          </p:cNvSpPr>
+          <p:nvPr>
+            <p:ph type="title"/>
+          </p:nvPr>
+        </p:nvSpPr>
+        <p:spPr/>
+        <p:txBody>
+          <a:bodyPr/>
+          <a:lstStyle/>
+          <a:p>
+            <a:pPr lvl="0" indent="0" marL="0">
+              <a:buNone/>
+            </a:pPr>
+            <a:r>
+              <a:rPr/>
+              <a:t>AD-AS Model</a:t>
+            </a:r>
+          </a:p>
+        </p:txBody>
+      </p:sp>
+      <p:sp>
+        <p:nvSpPr>
           <p:cNvPr id="3" name="Content Placeholder 2"/>
           <p:cNvSpPr>
             <a:spLocks noGrp="1"/>
@@ -6311,18 +6664,6 @@
         <p:txBody>
           <a:bodyPr/>
           <a:lstStyle/>
-          <a:p>
-            <a:pPr lvl="0" indent="0" marL="0">
-              <a:spcBef>
-                <a:spcPts val="3000"/>
-              </a:spcBef>
-              <a:buNone/>
-            </a:pPr>
-            <a:r>
-              <a:rPr b="1"/>
-              <a:t>AD-AS Model</a:t>
-            </a:r>
-          </a:p>
           <a:p>
             <a:pPr lvl="0"/>
             <a:r>
@@ -6344,7 +6685,7 @@
 </p:sld>
 </file>
 
-<file path=ppt/slides/slide34.xml><?xml version="1.0" encoding="utf-8"?>
+<file path=ppt/slides/slide38.xml><?xml version="1.0" encoding="utf-8"?>
 <p:sld xmlns:a="http://schemas.openxmlformats.org/drawingml/2006/main" xmlns:r="http://schemas.openxmlformats.org/officeDocument/2006/relationships" xmlns:p="http://schemas.openxmlformats.org/presentationml/2006/main">
   <p:cSld>
     <p:spTree>
@@ -6424,7 +6765,7 @@
 </p:sld>
 </file>
 
-<file path=ppt/slides/slide35.xml><?xml version="1.0" encoding="utf-8"?>
+<file path=ppt/slides/slide39.xml><?xml version="1.0" encoding="utf-8"?>
 <p:sld xmlns:a="http://schemas.openxmlformats.org/drawingml/2006/main" xmlns:r="http://schemas.openxmlformats.org/officeDocument/2006/relationships" xmlns:p="http://schemas.openxmlformats.org/presentationml/2006/main">
   <p:cSld>
     <p:spTree>
@@ -6506,10 +6847,7 @@
 </p:sld>
 </file>
 
-<file path=ppt/slides/slide36.xml><?xml version="1.0" encoding="UTF-8"?><p:sld xmlns:a="http://schemas.openxmlformats.org/drawingml/2006/main" xmlns:r="http://schemas.openxmlformats.org/officeDocument/2006/relationships" xmlns:p="http://schemas.openxmlformats.org/presentationml/2006/main"><p:cSld><p:spTree><p:nvGrpSpPr><p:cNvPr id="1" name="" /><p:cNvGrpSpPr /><p:nvPr /></p:nvGrpSpPr><p:grpSpPr><a:xfrm><a:off x="0" y="0" /><a:ext cx="0" cy="0" /><a:chOff x="0" y="0" /><a:chExt cx="0" cy="0" /></a:xfrm></p:grpSpPr><p:sp><p:nvSpPr><p:cNvPr id="4" name="Text Placeholder 3" /><p:cNvSpPr><a:spLocks noGrp="1" /></p:cNvSpPr><p:nvPr><p:ph idx="2" sz="half" type="body" /></p:nvPr></p:nvSpPr><p:spPr /><p:txBody><a:bodyPr /><a:lstStyle /><a:p><a:pPr lvl="0" indent="0" marL="0"><a:spcBef><a:spcPts val="3000" /></a:spcBef><a:buNone /></a:pPr><a:r><a:rPr b="1" /><a:t>AD-AS model</a:t></a:r></a:p><a:p><a:pPr lvl="0" indent="0" marL="0"><a:buNone /></a:pPr><a:r><a:rPr /><a:t>[Negative demand shock gives you the opposite of positive demand shock. Negative supply shock gives you the opposite impact of positive supply shock.</a:t></a:r></a:p></p:txBody></p:sp><p:graphicFrame><p:nvGraphicFramePr><p:cNvPr id="6" name="Content Placeholder 5" /><p:cNvGraphicFramePr><a:graphicFrameLocks noGrp="1" /></p:cNvGraphicFramePr><p:nvPr><p:ph idx="1" /></p:nvPr></p:nvGraphicFramePr><p:xfrm><a:off x="3568700" y="203200" /><a:ext cx="5105400" cy="4381500" /></p:xfrm><a:graphic><a:graphicData uri="http://schemas.openxmlformats.org/drawingml/2006/table"><a:tbl><a:tblPr firstRow="1" bandRow="1"><a:tableStyleId>{5C22544A-7EE6-4342-B048-85BDC9FD1C3A}</a:tableStyleId></a:tblPr><a:tblGrid><a:gridCol w="1270000" /><a:gridCol w="1270000" /><a:gridCol w="1270000" /><a:gridCol w="1270000" /></a:tblGrid><a:tr h="0"><a:tc><a:txBody><a:bodyPr /><a:lstStyle /><a:p><a:pPr lvl="0" indent="0" marL="0"><a:buNone /></a:pPr><a:r><a:rPr /><a:t>shock type</a:t></a:r></a:p></a:txBody><a:tcPr /></a:tc><a:tc><a:txBody><a:bodyPr /><a:lstStyle /><a:p><a:pPr lvl="0" indent="0" marL="0"><a:buNone /></a:pPr><a:r><a:rPr /><a:t>shifts</a:t></a:r></a:p></a:txBody><a:tcPr /></a:tc><a:tc><a:txBody><a:bodyPr /><a:lstStyle /><a:p><a:pPr lvl="0" indent="0" marL="0"><a:buNone /></a:pPr><a:r><a:rPr /><a:t>P</a:t></a:r></a:p></a:txBody><a:tcPr /></a:tc><a:tc><a:txBody><a:bodyPr /><a:lstStyle /><a:p><a:pPr lvl="0" indent="0" marL="0"><a:buNone /></a:pPr><a:r><a:rPr /><a:t>Y</a:t></a:r></a:p></a:txBody><a:tcPr /></a:tc></a:tr><a:tr h="0"><a:tc><a:txBody><a:bodyPr /><a:lstStyle /><a:p><a:pPr lvl="0" indent="0" marL="0"><a:buNone /></a:pPr><a:r><a:rPr /><a:t>Positive demand</a:t></a:r></a:p></a:txBody></a:tc><a:tc><a:txBody><a:bodyPr /><a:lstStyle /><a:p><a:pPr lvl="0" indent="0" marL="0"><a:buNone /></a:pPr><a14:m><m:oMath xmlns:m="http://schemas.openxmlformats.org/officeDocument/2006/math"><m:acc><m:accPr><m:chr m:val="⃗" /></m:accPr><m:e><m:r><m:t>A</m:t></m:r><m:r><m:t>D</m:t></m:r></m:e></m:acc></m:oMath></a14:m></a:p></a:txBody></a:tc><a:tc><a:txBody><a:bodyPr /><a:lstStyle /><a:p><a:pPr lvl="0" indent="0" marL="0"><a:buNone /></a:pPr><a14:m><m:oMath xmlns:m="http://schemas.openxmlformats.org/officeDocument/2006/math"><m:r><m:rPr><m:sty m:val="p" /></m:rPr><m:t>⇑</m:t></m:r></m:oMath></a14:m></a:p></a:txBody></a:tc><a:tc><a:txBody><a:bodyPr /><a:lstStyle /><a:p><a:pPr lvl="0" indent="0" marL="0"><a:buNone /></a:pPr><a14:m><m:oMath xmlns:m="http://schemas.openxmlformats.org/officeDocument/2006/math"><m:r><m:rPr><m:sty m:val="p" /></m:rPr><m:t>⇑</m:t></m:r></m:oMath></a14:m></a:p></a:txBody></a:tc></a:tr><a:tr h="0"><a:tc><a:txBody><a:bodyPr /><a:lstStyle /><a:p><a:pPr lvl="0" indent="0" marL="0"><a:buNone /></a:pPr><a:r><a:rPr /><a:t>Negative demand</a:t></a:r></a:p></a:txBody></a:tc><a:tc><a:txBody><a:bodyPr /><a:lstStyle /><a:p><a:pPr lvl="0" indent="0" marL="0"><a:buNone /></a:pPr><a14:m><m:oMath xmlns:m="http://schemas.openxmlformats.org/officeDocument/2006/math"><m:acc><m:accPr><m:chr m:val="⃖" /></m:accPr><m:e><m:r><m:t>A</m:t></m:r><m:r><m:t>D</m:t></m:r></m:e></m:acc></m:oMath></a14:m></a:p></a:txBody></a:tc><a:tc><a:txBody><a:bodyPr /><a:lstStyle /><a:p><a:pPr lvl="0" indent="0" marL="0"><a:buNone /></a:pPr><a14:m><m:oMath xmlns:m="http://schemas.openxmlformats.org/officeDocument/2006/math"><m:r><m:rPr><m:sty m:val="p" /></m:rPr><m:t>⇓</m:t></m:r></m:oMath></a14:m></a:p></a:txBody></a:tc><a:tc><a:txBody><a:bodyPr /><a:lstStyle /><a:p><a:pPr lvl="0" indent="0" marL="0"><a:buNone /></a:pPr><a14:m><m:oMath xmlns:m="http://schemas.openxmlformats.org/officeDocument/2006/math"><m:r><m:rPr><m:sty m:val="p" /></m:rPr><m:t>⇓</m:t></m:r></m:oMath></a14:m></a:p></a:txBody></a:tc></a:tr><a:tr h="0"><a:tc><a:txBody><a:bodyPr /><a:lstStyle /><a:p><a:pPr lvl="0" indent="0" marL="0"><a:buNone /></a:pPr><a:r><a:rPr /><a:t>Positive supply</a:t></a:r></a:p></a:txBody></a:tc><a:tc><a:txBody><a:bodyPr /><a:lstStyle /><a:p><a:pPr lvl="0" indent="0" marL="0"><a:buNone /></a:pPr><a14:m><m:oMath xmlns:m="http://schemas.openxmlformats.org/officeDocument/2006/math"><m:acc><m:accPr><m:chr m:val="⃗" /></m:accPr><m:e><m:r><m:t>S</m:t></m:r><m:r><m:t>R</m:t></m:r><m:r><m:t>A</m:t></m:r><m:r><m:t>S</m:t></m:r></m:e></m:acc></m:oMath></a14:m></a:p></a:txBody></a:tc><a:tc><a:txBody><a:bodyPr /><a:lstStyle /><a:p><a:pPr lvl="0" indent="0" marL="0"><a:buNone /></a:pPr><a14:m><m:oMath xmlns:m="http://schemas.openxmlformats.org/officeDocument/2006/math"><m:r><m:rPr><m:sty m:val="p" /></m:rPr><m:t>⇓</m:t></m:r></m:oMath></a14:m></a:p></a:txBody></a:tc><a:tc><a:txBody><a:bodyPr /><a:lstStyle /><a:p><a:pPr lvl="0" indent="0" marL="0"><a:buNone /></a:pPr><a14:m><m:oMath xmlns:m="http://schemas.openxmlformats.org/officeDocument/2006/math"><m:r><m:rPr><m:sty m:val="p" /></m:rPr><m:t>⇑</m:t></m:r></m:oMath></a14:m></a:p></a:txBody></a:tc></a:tr><a:tr h="0"><a:tc><a:txBody><a:bodyPr /><a:lstStyle /><a:p><a:pPr lvl="0" indent="0" marL="0"><a:buNone /></a:pPr><a:r><a:rPr /><a:t>Negative supply</a:t></a:r></a:p></a:txBody></a:tc><a:tc><a:txBody><a:bodyPr /><a:lstStyle /><a:p><a:pPr lvl="0" indent="0" marL="0"><a:buNone /></a:pPr><a14:m><m:oMath xmlns:m="http://schemas.openxmlformats.org/officeDocument/2006/math"><m:acc><m:accPr><m:chr m:val="⃖" /></m:accPr><m:e><m:r><m:t>S</m:t></m:r><m:r><m:t>R</m:t></m:r><m:r><m:t>A</m:t></m:r><m:r><m:t>S</m:t></m:r></m:e></m:acc></m:oMath></a14:m></a:p></a:txBody></a:tc><a:tc><a:txBody><a:bodyPr /><a:lstStyle /><a:p><a:pPr lvl="0" indent="0" marL="0"><a:buNone /></a:pPr><a14:m><m:oMath xmlns:m="http://schemas.openxmlformats.org/officeDocument/2006/math"><m:r><m:rPr><m:sty m:val="p" /></m:rPr><m:t>⇑</m:t></m:r></m:oMath></a14:m></a:p></a:txBody></a:tc><a:tc><a:txBody><a:bodyPr /><a:lstStyle /><a:p><a:pPr lvl="0" indent="0" marL="0"><a:buNone /></a:pPr><a14:m><m:oMath xmlns:m="http://schemas.openxmlformats.org/officeDocument/2006/math"><m:r><m:rPr><m:sty m:val="p" /></m:rPr><m:t>⇓</m:t></m:r></m:oMath></a14:m></a:p></a:txBody></a:tc></a:tr></a:tbl></a:graphicData></a:graphic></p:graphicFrame></p:spTree></p:cSld></p:sld>
-</file>
-
-<file path=ppt/slides/slide37.xml><?xml version="1.0" encoding="utf-8"?>
+<file path=ppt/slides/slide4.xml><?xml version="1.0" encoding="utf-8"?>
 <p:sld xmlns:a="http://schemas.openxmlformats.org/drawingml/2006/main" xmlns:r="http://schemas.openxmlformats.org/officeDocument/2006/relationships" xmlns:p="http://schemas.openxmlformats.org/presentationml/2006/main">
   <p:cSld>
     <p:spTree>
@@ -6528,6 +6866,31 @@
       </p:grpSpPr>
       <p:sp>
         <p:nvSpPr>
+          <p:cNvPr id="2" name="Title 1"/>
+          <p:cNvSpPr>
+            <a:spLocks noGrp="1"/>
+          </p:cNvSpPr>
+          <p:nvPr>
+            <p:ph type="title"/>
+          </p:nvPr>
+        </p:nvSpPr>
+        <p:spPr/>
+        <p:txBody>
+          <a:bodyPr/>
+          <a:lstStyle/>
+          <a:p>
+            <a:pPr lvl="0" indent="0" marL="0">
+              <a:buNone/>
+            </a:pPr>
+            <a:r>
+              <a:rPr/>
+              <a:t>Growth determinant</a:t>
+            </a:r>
+          </a:p>
+        </p:txBody>
+      </p:sp>
+      <p:sp>
+        <p:nvSpPr>
           <p:cNvPr id="3" name="Content Placeholder 2"/>
           <p:cNvSpPr>
             <a:spLocks noGrp="1"/>
@@ -6541,16 +6904,38 @@
           <a:bodyPr/>
           <a:lstStyle/>
           <a:p>
-            <a:pPr lvl="0" indent="0" marL="0">
-              <a:buNone/>
-            </a:pPr>
-            <a:r>
-              <a:rPr/>
-              <a:t>The negative supply shock leads to a </a:t>
-            </a:r>
-            <a:r>
-              <a:rPr b="1"/>
-              <a:t>stagflation</a:t>
+            <a:pPr lvl="0"/>
+            <a:r>
+              <a:rPr/>
+              <a:t>Advance countries usually grows at around 2% rate.</a:t>
+            </a:r>
+          </a:p>
+          <a:p>
+            <a:pPr lvl="0"/>
+            <a:r>
+              <a:rPr/>
+              <a:t>Indonesia grows somewhere around 5% these days.</a:t>
+            </a:r>
+          </a:p>
+          <a:p>
+            <a:pPr lvl="0"/>
+            <a:r>
+              <a:rPr/>
+              <a:t>Economic growth ensure the people in the country gets richer.</a:t>
+            </a:r>
+          </a:p>
+          <a:p>
+            <a:pPr lvl="1"/>
+            <a:r>
+              <a:rPr/>
+              <a:t>Electricity was a luxury back in the 1940s, now we take it for granted.</a:t>
+            </a:r>
+          </a:p>
+          <a:p>
+            <a:pPr lvl="1"/>
+            <a:r>
+              <a:rPr/>
+              <a:t>Only rich people use cellphones back in late 1990s.</a:t>
             </a:r>
           </a:p>
         </p:txBody>
@@ -6560,7 +6945,10 @@
 </p:sld>
 </file>
 
-<file path=ppt/slides/slide38.xml><?xml version="1.0" encoding="utf-8"?>
+<file path=ppt/slides/slide40.xml><?xml version="1.0" encoding="UTF-8"?><p:sld xmlns:a="http://schemas.openxmlformats.org/drawingml/2006/main" xmlns:r="http://schemas.openxmlformats.org/officeDocument/2006/relationships" xmlns:p="http://schemas.openxmlformats.org/presentationml/2006/main"><p:cSld><p:spTree><p:nvGrpSpPr><p:cNvPr id="1" name="" /><p:cNvGrpSpPr /><p:nvPr /></p:nvGrpSpPr><p:grpSpPr><a:xfrm><a:off x="0" y="0" /><a:ext cx="0" cy="0" /><a:chOff x="0" y="0" /><a:chExt cx="0" cy="0" /></a:xfrm></p:grpSpPr><p:sp><p:nvSpPr><p:cNvPr id="2" name="Title 1" /><p:cNvSpPr><a:spLocks noGrp="1" /></p:cNvSpPr><p:nvPr><p:ph type="title" /></p:nvPr></p:nvSpPr><p:spPr><a:xfrm><a:off x="457201" y="204787" /><a:ext cx="3008313" cy="871538" /></a:xfrm></p:spPr><p:txBody><a:bodyPr /><a:lstStyle /><a:p><a:pPr lvl="0" indent="0" marL="0"><a:buNone /></a:pPr><a:r><a:rPr /><a:t>AD-AS model</a:t></a:r></a:p></p:txBody></p:sp><p:sp><p:nvSpPr><p:cNvPr id="4" name="Text Placeholder 3" /><p:cNvSpPr><a:spLocks noGrp="1" /></p:cNvSpPr><p:nvPr><p:ph idx="2" sz="half" type="body" /></p:nvPr></p:nvSpPr><p:spPr /><p:txBody><a:bodyPr /><a:lstStyle /><a:p><a:pPr lvl="0" indent="0" marL="0"><a:buNone /></a:pPr><a:r><a:rPr /><a:t>Negative demand shock gives you the opposite of positive demand shock. Negative supply shock gives you the opposite impact of positive supply shock.</a:t></a:r></a:p></p:txBody></p:sp><p:graphicFrame><p:nvGraphicFramePr><p:cNvPr id="6" name="Content Placeholder 5" /><p:cNvGraphicFramePr><a:graphicFrameLocks noGrp="1" /></p:cNvGraphicFramePr><p:nvPr><p:ph idx="1" /></p:nvPr></p:nvGraphicFramePr><p:xfrm><a:off x="3568700" y="203200" /><a:ext cx="5105400" cy="4381500" /></p:xfrm><a:graphic><a:graphicData uri="http://schemas.openxmlformats.org/drawingml/2006/table"><a:tbl><a:tblPr firstRow="1" bandRow="1"><a:tableStyleId>{5C22544A-7EE6-4342-B048-85BDC9FD1C3A}</a:tableStyleId></a:tblPr><a:tblGrid><a:gridCol w="1270000" /><a:gridCol w="1270000" /><a:gridCol w="1270000" /><a:gridCol w="1270000" /></a:tblGrid><a:tr h="0"><a:tc><a:txBody><a:bodyPr /><a:lstStyle /><a:p><a:pPr lvl="0" indent="0" marL="0"><a:buNone /></a:pPr><a:r><a:rPr /><a:t>shock type</a:t></a:r></a:p></a:txBody><a:tcPr /></a:tc><a:tc><a:txBody><a:bodyPr /><a:lstStyle /><a:p><a:pPr lvl="0" indent="0" marL="0"><a:buNone /></a:pPr><a:r><a:rPr /><a:t>shifts</a:t></a:r></a:p></a:txBody><a:tcPr /></a:tc><a:tc><a:txBody><a:bodyPr /><a:lstStyle /><a:p><a:pPr lvl="0" indent="0" marL="0"><a:buNone /></a:pPr><a:r><a:rPr /><a:t>P</a:t></a:r></a:p></a:txBody><a:tcPr /></a:tc><a:tc><a:txBody><a:bodyPr /><a:lstStyle /><a:p><a:pPr lvl="0" indent="0" marL="0"><a:buNone /></a:pPr><a:r><a:rPr /><a:t>Y</a:t></a:r></a:p></a:txBody><a:tcPr /></a:tc></a:tr><a:tr h="0"><a:tc><a:txBody><a:bodyPr /><a:lstStyle /><a:p><a:pPr lvl="0" indent="0" marL="0"><a:buNone /></a:pPr><a:r><a:rPr /><a:t>Positive demand</a:t></a:r></a:p></a:txBody></a:tc><a:tc><a:txBody><a:bodyPr /><a:lstStyle /><a:p><a:pPr lvl="0" indent="0" marL="0"><a:buNone /></a:pPr><a14:m><m:oMath xmlns:m="http://schemas.openxmlformats.org/officeDocument/2006/math"><m:acc><m:accPr><m:chr m:val="⃗" /></m:accPr><m:e><m:r><m:t>A</m:t></m:r><m:r><m:t>D</m:t></m:r></m:e></m:acc></m:oMath></a14:m></a:p></a:txBody></a:tc><a:tc><a:txBody><a:bodyPr /><a:lstStyle /><a:p><a:pPr lvl="0" indent="0" marL="0"><a:buNone /></a:pPr><a14:m><m:oMath xmlns:m="http://schemas.openxmlformats.org/officeDocument/2006/math"><m:r><m:rPr><m:sty m:val="p" /></m:rPr><m:t>⇑</m:t></m:r></m:oMath></a14:m></a:p></a:txBody></a:tc><a:tc><a:txBody><a:bodyPr /><a:lstStyle /><a:p><a:pPr lvl="0" indent="0" marL="0"><a:buNone /></a:pPr><a14:m><m:oMath xmlns:m="http://schemas.openxmlformats.org/officeDocument/2006/math"><m:r><m:rPr><m:sty m:val="p" /></m:rPr><m:t>⇑</m:t></m:r></m:oMath></a14:m></a:p></a:txBody></a:tc></a:tr><a:tr h="0"><a:tc><a:txBody><a:bodyPr /><a:lstStyle /><a:p><a:pPr lvl="0" indent="0" marL="0"><a:buNone /></a:pPr><a:r><a:rPr /><a:t>Negative demand</a:t></a:r></a:p></a:txBody></a:tc><a:tc><a:txBody><a:bodyPr /><a:lstStyle /><a:p><a:pPr lvl="0" indent="0" marL="0"><a:buNone /></a:pPr><a14:m><m:oMath xmlns:m="http://schemas.openxmlformats.org/officeDocument/2006/math"><m:acc><m:accPr><m:chr m:val="⃖" /></m:accPr><m:e><m:r><m:t>A</m:t></m:r><m:r><m:t>D</m:t></m:r></m:e></m:acc></m:oMath></a14:m></a:p></a:txBody></a:tc><a:tc><a:txBody><a:bodyPr /><a:lstStyle /><a:p><a:pPr lvl="0" indent="0" marL="0"><a:buNone /></a:pPr><a14:m><m:oMath xmlns:m="http://schemas.openxmlformats.org/officeDocument/2006/math"><m:r><m:rPr><m:sty m:val="p" /></m:rPr><m:t>⇓</m:t></m:r></m:oMath></a14:m></a:p></a:txBody></a:tc><a:tc><a:txBody><a:bodyPr /><a:lstStyle /><a:p><a:pPr lvl="0" indent="0" marL="0"><a:buNone /></a:pPr><a14:m><m:oMath xmlns:m="http://schemas.openxmlformats.org/officeDocument/2006/math"><m:r><m:rPr><m:sty m:val="p" /></m:rPr><m:t>⇓</m:t></m:r></m:oMath></a14:m></a:p></a:txBody></a:tc></a:tr><a:tr h="0"><a:tc><a:txBody><a:bodyPr /><a:lstStyle /><a:p><a:pPr lvl="0" indent="0" marL="0"><a:buNone /></a:pPr><a:r><a:rPr /><a:t>Positive supply</a:t></a:r></a:p></a:txBody></a:tc><a:tc><a:txBody><a:bodyPr /><a:lstStyle /><a:p><a:pPr lvl="0" indent="0" marL="0"><a:buNone /></a:pPr><a14:m><m:oMath xmlns:m="http://schemas.openxmlformats.org/officeDocument/2006/math"><m:acc><m:accPr><m:chr m:val="⃗" /></m:accPr><m:e><m:r><m:t>S</m:t></m:r><m:r><m:t>R</m:t></m:r><m:r><m:t>A</m:t></m:r><m:r><m:t>S</m:t></m:r></m:e></m:acc></m:oMath></a14:m></a:p></a:txBody></a:tc><a:tc><a:txBody><a:bodyPr /><a:lstStyle /><a:p><a:pPr lvl="0" indent="0" marL="0"><a:buNone /></a:pPr><a14:m><m:oMath xmlns:m="http://schemas.openxmlformats.org/officeDocument/2006/math"><m:r><m:rPr><m:sty m:val="p" /></m:rPr><m:t>⇓</m:t></m:r></m:oMath></a14:m></a:p></a:txBody></a:tc><a:tc><a:txBody><a:bodyPr /><a:lstStyle /><a:p><a:pPr lvl="0" indent="0" marL="0"><a:buNone /></a:pPr><a14:m><m:oMath xmlns:m="http://schemas.openxmlformats.org/officeDocument/2006/math"><m:r><m:rPr><m:sty m:val="p" /></m:rPr><m:t>⇑</m:t></m:r></m:oMath></a14:m></a:p></a:txBody></a:tc></a:tr><a:tr h="0"><a:tc><a:txBody><a:bodyPr /><a:lstStyle /><a:p><a:pPr lvl="0" indent="0" marL="0"><a:buNone /></a:pPr><a:r><a:rPr /><a:t>Negative supply</a:t></a:r></a:p></a:txBody></a:tc><a:tc><a:txBody><a:bodyPr /><a:lstStyle /><a:p><a:pPr lvl="0" indent="0" marL="0"><a:buNone /></a:pPr><a14:m><m:oMath xmlns:m="http://schemas.openxmlformats.org/officeDocument/2006/math"><m:acc><m:accPr><m:chr m:val="⃖" /></m:accPr><m:e><m:r><m:t>S</m:t></m:r><m:r><m:t>R</m:t></m:r><m:r><m:t>A</m:t></m:r><m:r><m:t>S</m:t></m:r></m:e></m:acc></m:oMath></a14:m></a:p></a:txBody></a:tc><a:tc><a:txBody><a:bodyPr /><a:lstStyle /><a:p><a:pPr lvl="0" indent="0" marL="0"><a:buNone /></a:pPr><a14:m><m:oMath xmlns:m="http://schemas.openxmlformats.org/officeDocument/2006/math"><m:r><m:rPr><m:sty m:val="p" /></m:rPr><m:t>⇑</m:t></m:r></m:oMath></a14:m></a:p></a:txBody></a:tc><a:tc><a:txBody><a:bodyPr /><a:lstStyle /><a:p><a:pPr lvl="0" indent="0" marL="0"><a:buNone /></a:pPr><a14:m><m:oMath xmlns:m="http://schemas.openxmlformats.org/officeDocument/2006/math"><m:r><m:rPr><m:sty m:val="p" /></m:rPr><m:t>⇓</m:t></m:r></m:oMath></a14:m></a:p></a:txBody></a:tc></a:tr></a:tbl></a:graphicData></a:graphic></p:graphicFrame></p:spTree></p:cSld></p:sld>
+</file>
+
+<file path=ppt/slides/slide41.xml><?xml version="1.0" encoding="utf-8"?>
 <p:sld xmlns:a="http://schemas.openxmlformats.org/drawingml/2006/main" xmlns:r="http://schemas.openxmlformats.org/officeDocument/2006/relationships" xmlns:p="http://schemas.openxmlformats.org/presentationml/2006/main">
   <p:cSld>
     <p:spTree>
@@ -6593,43 +6981,15 @@
           <a:lstStyle/>
           <a:p>
             <a:pPr lvl="0" indent="0" marL="0">
-              <a:spcBef>
-                <a:spcPts val="3000"/>
-              </a:spcBef>
               <a:buNone/>
             </a:pPr>
             <a:r>
+              <a:rPr/>
+              <a:t>The negative supply shock leads to a </a:t>
+            </a:r>
+            <a:r>
               <a:rPr b="1"/>
-              <a:t>Long-run macroeconomic equilibrium</a:t>
-            </a:r>
-          </a:p>
-          <a:p>
-            <a:pPr lvl="0"/>
-            <a:r>
-              <a:rPr/>
-              <a:t>In the long-run, supply is starting to adjust and the </a:t>
-            </a:r>
-            <a:r>
-              <a:rPr b="1"/>
-              <a:t>self-correcting mechanism</a:t>
-            </a:r>
-            <a:r>
-              <a:rPr/>
-              <a:t> works.</a:t>
-            </a:r>
-          </a:p>
-          <a:p>
-            <a:pPr lvl="0"/>
-            <a:r>
-              <a:rPr/>
-              <a:t>Remember that in the long-run, output will not stay low or stay high: it will eventually return to its potential long-run growth.</a:t>
-            </a:r>
-          </a:p>
-          <a:p>
-            <a:pPr lvl="0"/>
-            <a:r>
-              <a:rPr/>
-              <a:t>Therefore, in the long-run, output level will return to normal.</a:t>
+              <a:t>stagflation</a:t>
             </a:r>
           </a:p>
         </p:txBody>
@@ -6639,7 +6999,99 @@
 </p:sld>
 </file>
 
-<file path=ppt/slides/slide39.xml><?xml version="1.0" encoding="utf-8"?>
+<file path=ppt/slides/slide42.xml><?xml version="1.0" encoding="utf-8"?>
+<p:sld xmlns:a="http://schemas.openxmlformats.org/drawingml/2006/main" xmlns:r="http://schemas.openxmlformats.org/officeDocument/2006/relationships" xmlns:p="http://schemas.openxmlformats.org/presentationml/2006/main">
+  <p:cSld>
+    <p:spTree>
+      <p:nvGrpSpPr>
+        <p:cNvPr id="1" name=""/>
+        <p:cNvGrpSpPr/>
+        <p:nvPr/>
+      </p:nvGrpSpPr>
+      <p:grpSpPr>
+        <a:xfrm>
+          <a:off x="0" y="0"/>
+          <a:ext cx="0" cy="0"/>
+          <a:chOff x="0" y="0"/>
+          <a:chExt cx="0" cy="0"/>
+        </a:xfrm>
+      </p:grpSpPr>
+      <p:sp>
+        <p:nvSpPr>
+          <p:cNvPr id="2" name="Title 1"/>
+          <p:cNvSpPr>
+            <a:spLocks noGrp="1"/>
+          </p:cNvSpPr>
+          <p:nvPr>
+            <p:ph type="title"/>
+          </p:nvPr>
+        </p:nvSpPr>
+        <p:spPr/>
+        <p:txBody>
+          <a:bodyPr/>
+          <a:lstStyle/>
+          <a:p>
+            <a:pPr lvl="0" indent="0" marL="0">
+              <a:buNone/>
+            </a:pPr>
+            <a:r>
+              <a:rPr/>
+              <a:t>Long-run macroeconomic equilibrium</a:t>
+            </a:r>
+          </a:p>
+        </p:txBody>
+      </p:sp>
+      <p:sp>
+        <p:nvSpPr>
+          <p:cNvPr id="3" name="Content Placeholder 2"/>
+          <p:cNvSpPr>
+            <a:spLocks noGrp="1"/>
+          </p:cNvSpPr>
+          <p:nvPr>
+            <p:ph idx="1"/>
+          </p:nvPr>
+        </p:nvSpPr>
+        <p:spPr/>
+        <p:txBody>
+          <a:bodyPr/>
+          <a:lstStyle/>
+          <a:p>
+            <a:pPr lvl="0"/>
+            <a:r>
+              <a:rPr/>
+              <a:t>In the long-run, supply is starting to adjust and the </a:t>
+            </a:r>
+            <a:r>
+              <a:rPr b="1"/>
+              <a:t>self-correcting mechanism</a:t>
+            </a:r>
+            <a:r>
+              <a:rPr/>
+              <a:t> works.</a:t>
+            </a:r>
+          </a:p>
+          <a:p>
+            <a:pPr lvl="0"/>
+            <a:r>
+              <a:rPr/>
+              <a:t>Remember that in the long-run, output will not stay low or stay high: it will eventually return to its potential long-run growth.</a:t>
+            </a:r>
+          </a:p>
+          <a:p>
+            <a:pPr lvl="0"/>
+            <a:r>
+              <a:rPr/>
+              <a:t>Therefore, in the long-run, output level will return to normal.</a:t>
+            </a:r>
+          </a:p>
+        </p:txBody>
+      </p:sp>
+    </p:spTree>
+  </p:cSld>
+</p:sld>
+</file>
+
+<file path=ppt/slides/slide43.xml><?xml version="1.0" encoding="utf-8"?>
 <p:sld xmlns:a="http://schemas.openxmlformats.org/drawingml/2006/main" xmlns:r="http://schemas.openxmlformats.org/officeDocument/2006/relationships" xmlns:p="http://schemas.openxmlformats.org/presentationml/2006/main">
   <p:cSld>
     <p:spTree>
@@ -6719,7 +7171,730 @@
 </p:sld>
 </file>
 
-<file path=ppt/slides/slide4.xml><?xml version="1.0" encoding="utf-8"?>
+<file path=ppt/slides/slide44.xml><?xml version="1.0" encoding="utf-8"?>
+<p:sld xmlns:a="http://schemas.openxmlformats.org/drawingml/2006/main" xmlns:r="http://schemas.openxmlformats.org/officeDocument/2006/relationships" xmlns:p="http://schemas.openxmlformats.org/presentationml/2006/main">
+  <p:cSld>
+    <p:spTree>
+      <p:nvGrpSpPr>
+        <p:cNvPr id="1" name=""/>
+        <p:cNvGrpSpPr/>
+        <p:nvPr/>
+      </p:nvGrpSpPr>
+      <p:grpSpPr>
+        <a:xfrm>
+          <a:off x="0" y="0"/>
+          <a:ext cx="0" cy="0"/>
+          <a:chOff x="0" y="0"/>
+          <a:chExt cx="0" cy="0"/>
+        </a:xfrm>
+      </p:grpSpPr>
+      <p:pic>
+        <p:nvPicPr>
+          <p:cNvPr descr="index_files/figure-pptx/demshk5-1.png" id="0" name="Picture 1"/>
+          <p:cNvPicPr>
+            <a:picLocks noGrp="1" noChangeAspect="1"/>
+          </p:cNvPicPr>
+          <p:nvPr/>
+        </p:nvPicPr>
+        <p:blipFill>
+          <a:blip r:embed="rId2"/>
+          <a:stretch>
+            <a:fillRect/>
+          </a:stretch>
+        </p:blipFill>
+        <p:spPr bwMode="auto">
+          <a:xfrm>
+            <a:off x="457200" y="1879600"/>
+            <a:ext cx="4038600" cy="2019300"/>
+          </a:xfrm>
+          <a:prstGeom prst="rect">
+            <a:avLst/>
+          </a:prstGeom>
+          <a:noFill/>
+          <a:ln w="9525">
+            <a:noFill/>
+            <a:headEnd/>
+            <a:tailEnd/>
+          </a:ln>
+        </p:spPr>
+      </p:pic>
+      <p:pic>
+        <p:nvPicPr>
+          <p:cNvPr descr="index_files/figure-pptx/demshk6-1.png" id="0" name="Picture 1"/>
+          <p:cNvPicPr>
+            <a:picLocks noGrp="1" noChangeAspect="1"/>
+          </p:cNvPicPr>
+          <p:nvPr/>
+        </p:nvPicPr>
+        <p:blipFill>
+          <a:blip r:embed="rId3"/>
+          <a:stretch>
+            <a:fillRect/>
+          </a:stretch>
+        </p:blipFill>
+        <p:spPr bwMode="auto">
+          <a:xfrm>
+            <a:off x="4648200" y="1879600"/>
+            <a:ext cx="4038600" cy="2019300"/>
+          </a:xfrm>
+          <a:prstGeom prst="rect">
+            <a:avLst/>
+          </a:prstGeom>
+          <a:noFill/>
+          <a:ln w="9525">
+            <a:noFill/>
+            <a:headEnd/>
+            <a:tailEnd/>
+          </a:ln>
+        </p:spPr>
+      </p:pic>
+    </p:spTree>
+  </p:cSld>
+</p:sld>
+</file>
+
+<file path=ppt/slides/slide45.xml><?xml version="1.0" encoding="utf-8"?>
+<p:sld xmlns:a="http://schemas.openxmlformats.org/drawingml/2006/main" xmlns:r="http://schemas.openxmlformats.org/officeDocument/2006/relationships" xmlns:p="http://schemas.openxmlformats.org/presentationml/2006/main">
+  <p:cSld>
+    <p:spTree>
+      <p:nvGrpSpPr>
+        <p:cNvPr id="1" name=""/>
+        <p:cNvGrpSpPr/>
+        <p:nvPr/>
+      </p:nvGrpSpPr>
+      <p:grpSpPr>
+        <a:xfrm>
+          <a:off x="0" y="0"/>
+          <a:ext cx="0" cy="0"/>
+          <a:chOff x="0" y="0"/>
+          <a:chExt cx="0" cy="0"/>
+        </a:xfrm>
+      </p:grpSpPr>
+      <p:sp>
+        <p:nvSpPr>
+          <p:cNvPr id="2" name="Title 1"/>
+          <p:cNvSpPr>
+            <a:spLocks noGrp="1"/>
+          </p:cNvSpPr>
+          <p:nvPr>
+            <p:ph type="title"/>
+          </p:nvPr>
+        </p:nvSpPr>
+        <p:spPr/>
+        <p:txBody>
+          <a:bodyPr/>
+          <a:lstStyle/>
+          <a:p>
+            <a:pPr lvl="0" indent="0" marL="0">
+              <a:buNone/>
+            </a:pPr>
+            <a:r>
+              <a:rPr/>
+              <a:t>Long-run self-correction mechanism</a:t>
+            </a:r>
+          </a:p>
+        </p:txBody>
+      </p:sp>
+      <p:sp>
+        <p:nvSpPr>
+          <p:cNvPr id="3" name="Content Placeholder 2"/>
+          <p:cNvSpPr>
+            <a:spLocks noGrp="1"/>
+          </p:cNvSpPr>
+          <p:nvPr>
+            <p:ph idx="1"/>
+          </p:nvPr>
+        </p:nvSpPr>
+        <p:spPr/>
+        <p:txBody>
+          <a:bodyPr/>
+          <a:lstStyle/>
+          <a:p>
+            <a:pPr lvl="0"/>
+            <a:r>
+              <a:rPr/>
+              <a:t>You can reach the similar conclusion for a long-run negative demand shock, which leads to even lower prices and the same output.</a:t>
+            </a:r>
+          </a:p>
+          <a:p>
+            <a:pPr lvl="0"/>
+            <a:r>
+              <a:rPr/>
+              <a:t>To us, price level matter less if everyone can consume the same amount of goods and services:</a:t>
+            </a:r>
+          </a:p>
+          <a:p>
+            <a:pPr lvl="1"/>
+            <a:r>
+              <a:rPr/>
+              <a:t>that is, price changes do not matter if GDP stays the same.</a:t>
+            </a:r>
+          </a:p>
+          <a:p>
+            <a:pPr lvl="1"/>
+            <a:r>
+              <a:rPr/>
+              <a:t>in Australia, everything is more expensive but wage level is far above Indonesia.</a:t>
+            </a:r>
+          </a:p>
+        </p:txBody>
+      </p:sp>
+    </p:spTree>
+  </p:cSld>
+</p:sld>
+</file>
+
+<file path=ppt/slides/slide46.xml><?xml version="1.0" encoding="utf-8"?>
+<p:sld xmlns:a="http://schemas.openxmlformats.org/drawingml/2006/main" xmlns:r="http://schemas.openxmlformats.org/officeDocument/2006/relationships" xmlns:p="http://schemas.openxmlformats.org/presentationml/2006/main">
+  <p:cSld>
+    <p:spTree>
+      <p:nvGrpSpPr>
+        <p:cNvPr id="1" name=""/>
+        <p:cNvGrpSpPr/>
+        <p:nvPr/>
+      </p:nvGrpSpPr>
+      <p:grpSpPr>
+        <a:xfrm>
+          <a:off x="0" y="0"/>
+          <a:ext cx="0" cy="0"/>
+          <a:chOff x="0" y="0"/>
+          <a:chExt cx="0" cy="0"/>
+        </a:xfrm>
+      </p:grpSpPr>
+      <p:sp>
+        <p:nvSpPr>
+          <p:cNvPr id="2" name="Title 1"/>
+          <p:cNvSpPr>
+            <a:spLocks noGrp="1"/>
+          </p:cNvSpPr>
+          <p:nvPr>
+            <p:ph type="title"/>
+          </p:nvPr>
+        </p:nvSpPr>
+        <p:spPr/>
+        <p:txBody>
+          <a:bodyPr/>
+          <a:lstStyle/>
+          <a:p>
+            <a:pPr lvl="0" indent="0" marL="0">
+              <a:buNone/>
+            </a:pPr>
+            <a:r>
+              <a:rPr/>
+              <a:t>Long-run self-correction</a:t>
+            </a:r>
+          </a:p>
+        </p:txBody>
+      </p:sp>
+      <p:sp>
+        <p:nvSpPr>
+          <p:cNvPr id="3" name="Content Placeholder 2"/>
+          <p:cNvSpPr>
+            <a:spLocks noGrp="1"/>
+          </p:cNvSpPr>
+          <p:nvPr>
+            <p:ph idx="1"/>
+          </p:nvPr>
+        </p:nvSpPr>
+        <p:spPr/>
+        <p:txBody>
+          <a:bodyPr/>
+          <a:lstStyle/>
+          <a:p>
+            <a:pPr lvl="0"/>
+            <a:r>
+              <a:rPr/>
+              <a:t>If economy is going to return to its normal level eventually, why would we need to do anything at all?</a:t>
+            </a:r>
+          </a:p>
+          <a:p>
+            <a:pPr lvl="0"/>
+            <a:r>
+              <a:rPr/>
+              <a:t>The answer is because a “long-run” may take some time to adjust.</a:t>
+            </a:r>
+          </a:p>
+          <a:p>
+            <a:pPr lvl="1"/>
+            <a:r>
+              <a:rPr/>
+              <a:t>The world has not really go back to its potential output level after Global Financial Crisis in 2008.</a:t>
+            </a:r>
+          </a:p>
+          <a:p>
+            <a:pPr lvl="1"/>
+            <a:r>
+              <a:rPr/>
+              <a:t>Indonesian growth rate never return to pre-1998 level.</a:t>
+            </a:r>
+          </a:p>
+        </p:txBody>
+      </p:sp>
+    </p:spTree>
+  </p:cSld>
+</p:sld>
+</file>
+
+<file path=ppt/slides/slide47.xml><?xml version="1.0" encoding="utf-8"?>
+<p:sld xmlns:a="http://schemas.openxmlformats.org/drawingml/2006/main" xmlns:r="http://schemas.openxmlformats.org/officeDocument/2006/relationships" xmlns:p="http://schemas.openxmlformats.org/presentationml/2006/main">
+  <p:cSld>
+    <p:spTree>
+      <p:nvGrpSpPr>
+        <p:cNvPr id="1" name=""/>
+        <p:cNvGrpSpPr/>
+        <p:nvPr/>
+      </p:nvGrpSpPr>
+      <p:grpSpPr>
+        <a:xfrm>
+          <a:off x="0" y="0"/>
+          <a:ext cx="0" cy="0"/>
+          <a:chOff x="0" y="0"/>
+          <a:chExt cx="0" cy="0"/>
+        </a:xfrm>
+      </p:grpSpPr>
+      <p:sp>
+        <p:nvSpPr>
+          <p:cNvPr id="2" name="Title 1"/>
+          <p:cNvSpPr>
+            <a:spLocks noGrp="1"/>
+          </p:cNvSpPr>
+          <p:nvPr>
+            <p:ph type="title"/>
+          </p:nvPr>
+        </p:nvSpPr>
+        <p:spPr/>
+        <p:txBody>
+          <a:bodyPr/>
+          <a:lstStyle/>
+          <a:p>
+            <a:pPr lvl="0" indent="0" marL="0">
+              <a:buNone/>
+            </a:pPr>
+            <a:r>
+              <a:rPr/>
+              <a:t>In long-run we all dead</a:t>
+            </a:r>
+          </a:p>
+        </p:txBody>
+      </p:sp>
+      <p:sp>
+        <p:nvSpPr>
+          <p:cNvPr id="3" name="Content Placeholder 2"/>
+          <p:cNvSpPr>
+            <a:spLocks noGrp="1"/>
+          </p:cNvSpPr>
+          <p:nvPr>
+            <p:ph idx="1"/>
+          </p:nvPr>
+        </p:nvSpPr>
+        <p:spPr/>
+        <p:txBody>
+          <a:bodyPr/>
+          <a:lstStyle/>
+          <a:p>
+            <a:pPr lvl="0"/>
+            <a:r>
+              <a:rPr/>
+              <a:t>Since Keynesianism dominates economic thinking, it is believed that government policies are needed to stabilize economy.</a:t>
+            </a:r>
+          </a:p>
+          <a:p>
+            <a:pPr lvl="0"/>
+            <a:r>
+              <a:rPr/>
+              <a:t>We will learn further how government policies try to stabilize economy.</a:t>
+            </a:r>
+          </a:p>
+          <a:p>
+            <a:pPr lvl="0"/>
+            <a:r>
+              <a:rPr/>
+              <a:t>We also will learn the monetary policy and how interest rate interact with the economy.</a:t>
+            </a:r>
+          </a:p>
+        </p:txBody>
+      </p:sp>
+    </p:spTree>
+  </p:cSld>
+</p:sld>
+</file>
+
+<file path=ppt/slides/slide48.xml><?xml version="1.0" encoding="utf-8"?>
+<p:sld xmlns:a="http://schemas.openxmlformats.org/drawingml/2006/main" xmlns:r="http://schemas.openxmlformats.org/officeDocument/2006/relationships" xmlns:p="http://schemas.openxmlformats.org/presentationml/2006/main">
+  <p:cSld>
+    <p:spTree>
+      <p:nvGrpSpPr>
+        <p:cNvPr id="1" name=""/>
+        <p:cNvGrpSpPr/>
+        <p:nvPr/>
+      </p:nvGrpSpPr>
+      <p:grpSpPr>
+        <a:xfrm>
+          <a:off x="0" y="0"/>
+          <a:ext cx="0" cy="0"/>
+          <a:chOff x="0" y="0"/>
+          <a:chExt cx="0" cy="0"/>
+        </a:xfrm>
+      </p:grpSpPr>
+      <p:sp>
+        <p:nvSpPr>
+          <p:cNvPr id="2" name="Title 1"/>
+          <p:cNvSpPr>
+            <a:spLocks noGrp="1"/>
+          </p:cNvSpPr>
+          <p:nvPr>
+            <p:ph type="title"/>
+          </p:nvPr>
+        </p:nvSpPr>
+        <p:spPr/>
+        <p:txBody>
+          <a:bodyPr/>
+          <a:lstStyle/>
+          <a:p>
+            <a:pPr lvl="0" indent="0" marL="0">
+              <a:buNone/>
+            </a:pPr>
+            <a:r>
+              <a:rPr/>
+              <a:t>Sum-up</a:t>
+            </a:r>
+          </a:p>
+        </p:txBody>
+      </p:sp>
+      <p:sp>
+        <p:nvSpPr>
+          <p:cNvPr id="3" name="Content Placeholder 2"/>
+          <p:cNvSpPr>
+            <a:spLocks noGrp="1"/>
+          </p:cNvSpPr>
+          <p:nvPr>
+            <p:ph idx="1"/>
+          </p:nvPr>
+        </p:nvSpPr>
+        <p:spPr/>
+        <p:txBody>
+          <a:bodyPr/>
+          <a:lstStyle/>
+          <a:p>
+            <a:pPr lvl="0"/>
+            <a:r>
+              <a:rPr/>
+              <a:t>We have learned how we measure aggregate prices, unemployment and GDP.</a:t>
+            </a:r>
+          </a:p>
+          <a:p>
+            <a:pPr lvl="0"/>
+            <a:r>
+              <a:rPr/>
+              <a:t>We also learned how they are interact:</a:t>
+            </a:r>
+          </a:p>
+          <a:p>
+            <a:pPr lvl="1"/>
+            <a:r>
+              <a:rPr/>
+              <a:t>economic expansion tends to be followed by inflation and lower unemployment.</a:t>
+            </a:r>
+          </a:p>
+          <a:p>
+            <a:pPr lvl="1"/>
+            <a:r>
+              <a:rPr/>
+              <a:t>There is also a possible </a:t>
+            </a:r>
+            <a:r>
+              <a:rPr b="1"/>
+              <a:t>stagflation</a:t>
+            </a:r>
+            <a:r>
+              <a:rPr/>
+              <a:t> where economy stagnate, unemployment is high but also inflation.</a:t>
+            </a:r>
+          </a:p>
+          <a:p>
+            <a:pPr lvl="0"/>
+            <a:r>
+              <a:rPr/>
+              <a:t>Next-up: government policies and monetary policy.</a:t>
+            </a:r>
+          </a:p>
+        </p:txBody>
+      </p:sp>
+    </p:spTree>
+  </p:cSld>
+</p:sld>
+</file>
+
+<file path=ppt/slides/slide5.xml><?xml version="1.0" encoding="utf-8"?>
+<p:sld xmlns:a="http://schemas.openxmlformats.org/drawingml/2006/main" xmlns:r="http://schemas.openxmlformats.org/officeDocument/2006/relationships" xmlns:p="http://schemas.openxmlformats.org/presentationml/2006/main">
+  <p:cSld>
+    <p:spTree>
+      <p:nvGrpSpPr>
+        <p:cNvPr id="1" name=""/>
+        <p:cNvGrpSpPr/>
+        <p:nvPr/>
+      </p:nvGrpSpPr>
+      <p:grpSpPr>
+        <a:xfrm>
+          <a:off x="0" y="0"/>
+          <a:ext cx="0" cy="0"/>
+          <a:chOff x="0" y="0"/>
+          <a:chExt cx="0" cy="0"/>
+        </a:xfrm>
+      </p:grpSpPr>
+      <p:sp>
+        <p:nvSpPr>
+          <p:cNvPr id="2" name="Title 1"/>
+          <p:cNvSpPr>
+            <a:spLocks noGrp="1"/>
+          </p:cNvSpPr>
+          <p:nvPr>
+            <p:ph type="title"/>
+          </p:nvPr>
+        </p:nvSpPr>
+        <p:spPr/>
+        <p:txBody>
+          <a:bodyPr/>
+          <a:lstStyle/>
+          <a:p>
+            <a:pPr lvl="0" indent="0" marL="0">
+              <a:buNone/>
+            </a:pPr>
+            <a:r>
+              <a:rPr/>
+              <a:t>Productivity growth</a:t>
+            </a:r>
+          </a:p>
+        </p:txBody>
+      </p:sp>
+      <mc:AlternateContent xmlns:mc="http://schemas.openxmlformats.org/markup-compatibility/2006">
+        <mc:Choice xmlns:a14="http://schemas.microsoft.com/office/drawing/2010/main" Requires="a14">
+          <p:sp>
+            <p:nvSpPr>
+              <p:cNvPr id="3" name="Content Placeholder 2"/>
+              <p:cNvSpPr>
+                <a:spLocks noGrp="1"/>
+              </p:cNvSpPr>
+              <p:nvPr>
+                <p:ph idx="1"/>
+              </p:nvPr>
+            </p:nvSpPr>
+            <p:spPr/>
+            <p:txBody>
+              <a:bodyPr/>
+              <a:lstStyle/>
+              <a:p>
+                <a:pPr lvl="0"/>
+                <a:r>
+                  <a:rPr/>
+                  <a:t>Increasing the number of worker can increase GDP, but it won’t last long.</a:t>
+                </a:r>
+              </a:p>
+              <a:p>
+                <a:pPr lvl="0"/>
+                <a:r>
+                  <a:rPr/>
+                  <a:t>When we have an economic growth that is long lasting, we call it </a:t>
+                </a:r>
+                <a:r>
+                  <a:rPr b="1"/>
+                  <a:t>sustained economic growth</a:t>
+                </a:r>
+                <a:r>
+                  <a:rPr/>
+                  <a:t>.</a:t>
+                </a:r>
+              </a:p>
+              <a:p>
+                <a:pPr lvl="0"/>
+                <a:r>
+                  <a:rPr/>
+                  <a:t>We can only sustain economic growth by increasing </a:t>
+                </a:r>
+                <a:r>
+                  <a:rPr b="1"/>
+                  <a:t>productivity</a:t>
+                </a:r>
+                <a:r>
+                  <a:rPr/>
+                  <a:t>.</a:t>
+                </a:r>
+              </a:p>
+              <a:p>
+                <a:pPr lvl="0"/>
+                <a:r>
+                  <a:rPr/>
+                  <a:t>The term productivity usually refer to how much output can a country produce given the same number of labour.</a:t>
+                </a:r>
+              </a:p>
+              <a:p>
+                <a:pPr lvl="0"/>
+                <a:r>
+                  <a:rPr/>
+                  <a:t>We often measure them with </a:t>
+                </a:r>
+                <a14:m>
+                  <m:oMath xmlns:m="http://schemas.openxmlformats.org/officeDocument/2006/math">
+                    <m:f>
+                      <m:fPr>
+                        <m:type m:val="bar"/>
+                      </m:fPr>
+                      <m:num>
+                        <m:r>
+                          <m:t>G</m:t>
+                        </m:r>
+                        <m:r>
+                          <m:t>D</m:t>
+                        </m:r>
+                        <m:r>
+                          <m:t>P</m:t>
+                        </m:r>
+                      </m:num>
+                      <m:den>
+                        <m:r>
+                          <m:t>l</m:t>
+                        </m:r>
+                        <m:r>
+                          <m:t>a</m:t>
+                        </m:r>
+                        <m:r>
+                          <m:t>b</m:t>
+                        </m:r>
+                        <m:r>
+                          <m:t>o</m:t>
+                        </m:r>
+                        <m:r>
+                          <m:t>u</m:t>
+                        </m:r>
+                        <m:r>
+                          <m:t>r</m:t>
+                        </m:r>
+                      </m:den>
+                    </m:f>
+                  </m:oMath>
+                </a14:m>
+              </a:p>
+            </p:txBody>
+          </p:sp>
+        </mc:Choice>
+      </mc:AlternateContent>
+    </p:spTree>
+  </p:cSld>
+</p:sld>
+</file>
+
+<file path=ppt/slides/slide6.xml><?xml version="1.0" encoding="utf-8"?>
+<p:sld xmlns:a="http://schemas.openxmlformats.org/drawingml/2006/main" xmlns:r="http://schemas.openxmlformats.org/officeDocument/2006/relationships" xmlns:p="http://schemas.openxmlformats.org/presentationml/2006/main">
+  <p:cSld>
+    <p:spTree>
+      <p:nvGrpSpPr>
+        <p:cNvPr id="1" name=""/>
+        <p:cNvGrpSpPr/>
+        <p:nvPr/>
+      </p:nvGrpSpPr>
+      <p:grpSpPr>
+        <a:xfrm>
+          <a:off x="0" y="0"/>
+          <a:ext cx="0" cy="0"/>
+          <a:chOff x="0" y="0"/>
+          <a:chExt cx="0" cy="0"/>
+        </a:xfrm>
+      </p:grpSpPr>
+      <p:sp>
+        <p:nvSpPr>
+          <p:cNvPr id="2" name="Title 1"/>
+          <p:cNvSpPr>
+            <a:spLocks noGrp="1"/>
+          </p:cNvSpPr>
+          <p:nvPr>
+            <p:ph type="title"/>
+          </p:nvPr>
+        </p:nvSpPr>
+        <p:spPr/>
+        <p:txBody>
+          <a:bodyPr/>
+          <a:lstStyle/>
+          <a:p>
+            <a:pPr lvl="0" indent="0" marL="0">
+              <a:buNone/>
+            </a:pPr>
+            <a:r>
+              <a:rPr/>
+              <a:t>Determinant of productivity</a:t>
+            </a:r>
+          </a:p>
+        </p:txBody>
+      </p:sp>
+      <p:sp>
+        <p:nvSpPr>
+          <p:cNvPr id="3" name="Content Placeholder 2"/>
+          <p:cNvSpPr>
+            <a:spLocks noGrp="1"/>
+          </p:cNvSpPr>
+          <p:nvPr>
+            <p:ph idx="1"/>
+          </p:nvPr>
+        </p:nvSpPr>
+        <p:spPr/>
+        <p:txBody>
+          <a:bodyPr/>
+          <a:lstStyle/>
+          <a:p>
+            <a:pPr lvl="0" indent="0" marL="0">
+              <a:buNone/>
+            </a:pPr>
+            <a:r>
+              <a:rPr/>
+              <a:t>Three main determinant of productivity:</a:t>
+            </a:r>
+          </a:p>
+          <a:p>
+            <a:pPr lvl="0" indent="-342900" marL="342900">
+              <a:buAutoNum type="arabicPeriod"/>
+            </a:pPr>
+            <a:r>
+              <a:rPr b="1"/>
+              <a:t>Increase in physical capital</a:t>
+            </a:r>
+            <a:r>
+              <a:rPr/>
+              <a:t>. A farmer with a tractor can plow more acres of land than with a hoe or a bull.</a:t>
+            </a:r>
+          </a:p>
+          <a:p>
+            <a:pPr lvl="0" indent="-342900" marL="342900">
+              <a:buAutoNum type="arabicPeriod"/>
+            </a:pPr>
+            <a:r>
+              <a:rPr b="1"/>
+              <a:t>Increase in human capital</a:t>
+            </a:r>
+            <a:r>
+              <a:rPr/>
+              <a:t>. Usually measured by education and training.</a:t>
+            </a:r>
+          </a:p>
+          <a:p>
+            <a:pPr lvl="0" indent="-342900" marL="342900">
+              <a:buAutoNum type="arabicPeriod"/>
+            </a:pPr>
+            <a:r>
+              <a:rPr b="1"/>
+              <a:t>Technological progress</a:t>
+            </a:r>
+            <a:r>
+              <a:rPr/>
+              <a:t>, such as the invention of combustion engines, internet, etc. While major invention is important, Note that it is also important to consider smaller technological progress such as a simple post-it.</a:t>
+            </a:r>
+          </a:p>
+        </p:txBody>
+      </p:sp>
+    </p:spTree>
+  </p:cSld>
+</p:sld>
+</file>
+
+<file path=ppt/slides/slide7.xml><?xml version="1.0" encoding="utf-8"?>
 <p:sld xmlns:a="http://schemas.openxmlformats.org/drawingml/2006/main" xmlns:r="http://schemas.openxmlformats.org/officeDocument/2006/relationships" xmlns:p="http://schemas.openxmlformats.org/presentationml/2006/main">
   <p:cSld>
     <p:spTree>
@@ -7501,409 +8676,7 @@
 </p:sld>
 </file>
 
-<file path=ppt/slides/slide40.xml><?xml version="1.0" encoding="utf-8"?>
-<p:sld xmlns:a="http://schemas.openxmlformats.org/drawingml/2006/main" xmlns:r="http://schemas.openxmlformats.org/officeDocument/2006/relationships" xmlns:p="http://schemas.openxmlformats.org/presentationml/2006/main">
-  <p:cSld>
-    <p:spTree>
-      <p:nvGrpSpPr>
-        <p:cNvPr id="1" name=""/>
-        <p:cNvGrpSpPr/>
-        <p:nvPr/>
-      </p:nvGrpSpPr>
-      <p:grpSpPr>
-        <a:xfrm>
-          <a:off x="0" y="0"/>
-          <a:ext cx="0" cy="0"/>
-          <a:chOff x="0" y="0"/>
-          <a:chExt cx="0" cy="0"/>
-        </a:xfrm>
-      </p:grpSpPr>
-      <p:pic>
-        <p:nvPicPr>
-          <p:cNvPr descr="index_files/figure-pptx/demshk5-1.png" id="0" name="Picture 1"/>
-          <p:cNvPicPr>
-            <a:picLocks noGrp="1" noChangeAspect="1"/>
-          </p:cNvPicPr>
-          <p:nvPr/>
-        </p:nvPicPr>
-        <p:blipFill>
-          <a:blip r:embed="rId2"/>
-          <a:stretch>
-            <a:fillRect/>
-          </a:stretch>
-        </p:blipFill>
-        <p:spPr bwMode="auto">
-          <a:xfrm>
-            <a:off x="457200" y="1879600"/>
-            <a:ext cx="4038600" cy="2019300"/>
-          </a:xfrm>
-          <a:prstGeom prst="rect">
-            <a:avLst/>
-          </a:prstGeom>
-          <a:noFill/>
-          <a:ln w="9525">
-            <a:noFill/>
-            <a:headEnd/>
-            <a:tailEnd/>
-          </a:ln>
-        </p:spPr>
-      </p:pic>
-      <p:pic>
-        <p:nvPicPr>
-          <p:cNvPr descr="index_files/figure-pptx/demshk6-1.png" id="0" name="Picture 1"/>
-          <p:cNvPicPr>
-            <a:picLocks noGrp="1" noChangeAspect="1"/>
-          </p:cNvPicPr>
-          <p:nvPr/>
-        </p:nvPicPr>
-        <p:blipFill>
-          <a:blip r:embed="rId3"/>
-          <a:stretch>
-            <a:fillRect/>
-          </a:stretch>
-        </p:blipFill>
-        <p:spPr bwMode="auto">
-          <a:xfrm>
-            <a:off x="4648200" y="1879600"/>
-            <a:ext cx="4038600" cy="2019300"/>
-          </a:xfrm>
-          <a:prstGeom prst="rect">
-            <a:avLst/>
-          </a:prstGeom>
-          <a:noFill/>
-          <a:ln w="9525">
-            <a:noFill/>
-            <a:headEnd/>
-            <a:tailEnd/>
-          </a:ln>
-        </p:spPr>
-      </p:pic>
-    </p:spTree>
-  </p:cSld>
-</p:sld>
-</file>
-
-<file path=ppt/slides/slide41.xml><?xml version="1.0" encoding="utf-8"?>
-<p:sld xmlns:a="http://schemas.openxmlformats.org/drawingml/2006/main" xmlns:r="http://schemas.openxmlformats.org/officeDocument/2006/relationships" xmlns:p="http://schemas.openxmlformats.org/presentationml/2006/main">
-  <p:cSld>
-    <p:spTree>
-      <p:nvGrpSpPr>
-        <p:cNvPr id="1" name=""/>
-        <p:cNvGrpSpPr/>
-        <p:nvPr/>
-      </p:nvGrpSpPr>
-      <p:grpSpPr>
-        <a:xfrm>
-          <a:off x="0" y="0"/>
-          <a:ext cx="0" cy="0"/>
-          <a:chOff x="0" y="0"/>
-          <a:chExt cx="0" cy="0"/>
-        </a:xfrm>
-      </p:grpSpPr>
-      <p:sp>
-        <p:nvSpPr>
-          <p:cNvPr id="3" name="Content Placeholder 2"/>
-          <p:cNvSpPr>
-            <a:spLocks noGrp="1"/>
-          </p:cNvSpPr>
-          <p:nvPr>
-            <p:ph idx="1"/>
-          </p:nvPr>
-        </p:nvSpPr>
-        <p:spPr/>
-        <p:txBody>
-          <a:bodyPr/>
-          <a:lstStyle/>
-          <a:p>
-            <a:pPr lvl="0" indent="0" marL="0">
-              <a:spcBef>
-                <a:spcPts val="3000"/>
-              </a:spcBef>
-              <a:buNone/>
-            </a:pPr>
-            <a:r>
-              <a:rPr b="1"/>
-              <a:t>Long-run self-correction mechanism</a:t>
-            </a:r>
-          </a:p>
-          <a:p>
-            <a:pPr lvl="0"/>
-            <a:r>
-              <a:rPr/>
-              <a:t>You can reach the similar conclusion for a long-run negative demand shock, which leads to even lower prices and the same output.</a:t>
-            </a:r>
-          </a:p>
-          <a:p>
-            <a:pPr lvl="0"/>
-            <a:r>
-              <a:rPr/>
-              <a:t>To us, price level matter less if everyone can consume the same amount of goods and services:</a:t>
-            </a:r>
-          </a:p>
-          <a:p>
-            <a:pPr lvl="1"/>
-            <a:r>
-              <a:rPr/>
-              <a:t>that is, price changes do not matter if GDP stays the same.</a:t>
-            </a:r>
-          </a:p>
-          <a:p>
-            <a:pPr lvl="1"/>
-            <a:r>
-              <a:rPr/>
-              <a:t>in Australia, everything is more expensive but wage level is far above Indonesia.</a:t>
-            </a:r>
-          </a:p>
-        </p:txBody>
-      </p:sp>
-    </p:spTree>
-  </p:cSld>
-</p:sld>
-</file>
-
-<file path=ppt/slides/slide42.xml><?xml version="1.0" encoding="utf-8"?>
-<p:sld xmlns:a="http://schemas.openxmlformats.org/drawingml/2006/main" xmlns:r="http://schemas.openxmlformats.org/officeDocument/2006/relationships" xmlns:p="http://schemas.openxmlformats.org/presentationml/2006/main">
-  <p:cSld>
-    <p:spTree>
-      <p:nvGrpSpPr>
-        <p:cNvPr id="1" name=""/>
-        <p:cNvGrpSpPr/>
-        <p:nvPr/>
-      </p:nvGrpSpPr>
-      <p:grpSpPr>
-        <a:xfrm>
-          <a:off x="0" y="0"/>
-          <a:ext cx="0" cy="0"/>
-          <a:chOff x="0" y="0"/>
-          <a:chExt cx="0" cy="0"/>
-        </a:xfrm>
-      </p:grpSpPr>
-      <p:sp>
-        <p:nvSpPr>
-          <p:cNvPr id="3" name="Content Placeholder 2"/>
-          <p:cNvSpPr>
-            <a:spLocks noGrp="1"/>
-          </p:cNvSpPr>
-          <p:nvPr>
-            <p:ph idx="1"/>
-          </p:nvPr>
-        </p:nvSpPr>
-        <p:spPr/>
-        <p:txBody>
-          <a:bodyPr/>
-          <a:lstStyle/>
-          <a:p>
-            <a:pPr lvl="0" indent="0" marL="0">
-              <a:spcBef>
-                <a:spcPts val="3000"/>
-              </a:spcBef>
-              <a:buNone/>
-            </a:pPr>
-            <a:r>
-              <a:rPr b="1"/>
-              <a:t>Long-run self-correction</a:t>
-            </a:r>
-          </a:p>
-          <a:p>
-            <a:pPr lvl="0"/>
-            <a:r>
-              <a:rPr/>
-              <a:t>If economy is going to return to its normal level eventually, why would we need to do anything at all?</a:t>
-            </a:r>
-          </a:p>
-          <a:p>
-            <a:pPr lvl="0"/>
-            <a:r>
-              <a:rPr/>
-              <a:t>The answer is because a “long-run” may take some time to adjust.</a:t>
-            </a:r>
-          </a:p>
-          <a:p>
-            <a:pPr lvl="1"/>
-            <a:r>
-              <a:rPr/>
-              <a:t>The world has not really go back to its potential output level after Global Financial Crisis in 2008.</a:t>
-            </a:r>
-          </a:p>
-          <a:p>
-            <a:pPr lvl="1"/>
-            <a:r>
-              <a:rPr/>
-              <a:t>Indonesian growth rate never return to pre-1998 level.</a:t>
-            </a:r>
-          </a:p>
-        </p:txBody>
-      </p:sp>
-    </p:spTree>
-  </p:cSld>
-</p:sld>
-</file>
-
-<file path=ppt/slides/slide43.xml><?xml version="1.0" encoding="utf-8"?>
-<p:sld xmlns:a="http://schemas.openxmlformats.org/drawingml/2006/main" xmlns:r="http://schemas.openxmlformats.org/officeDocument/2006/relationships" xmlns:p="http://schemas.openxmlformats.org/presentationml/2006/main">
-  <p:cSld>
-    <p:spTree>
-      <p:nvGrpSpPr>
-        <p:cNvPr id="1" name=""/>
-        <p:cNvGrpSpPr/>
-        <p:nvPr/>
-      </p:nvGrpSpPr>
-      <p:grpSpPr>
-        <a:xfrm>
-          <a:off x="0" y="0"/>
-          <a:ext cx="0" cy="0"/>
-          <a:chOff x="0" y="0"/>
-          <a:chExt cx="0" cy="0"/>
-        </a:xfrm>
-      </p:grpSpPr>
-      <p:sp>
-        <p:nvSpPr>
-          <p:cNvPr id="3" name="Content Placeholder 2"/>
-          <p:cNvSpPr>
-            <a:spLocks noGrp="1"/>
-          </p:cNvSpPr>
-          <p:nvPr>
-            <p:ph idx="1"/>
-          </p:nvPr>
-        </p:nvSpPr>
-        <p:spPr/>
-        <p:txBody>
-          <a:bodyPr/>
-          <a:lstStyle/>
-          <a:p>
-            <a:pPr lvl="0" indent="0" marL="0">
-              <a:spcBef>
-                <a:spcPts val="3000"/>
-              </a:spcBef>
-              <a:buNone/>
-            </a:pPr>
-            <a:r>
-              <a:rPr b="1"/>
-              <a:t>In long-run we all dead</a:t>
-            </a:r>
-          </a:p>
-          <a:p>
-            <a:pPr lvl="0"/>
-            <a:r>
-              <a:rPr/>
-              <a:t>Since Keynesianism dominates economic thinking, it is believed that government policies are needed to stabilize economy.</a:t>
-            </a:r>
-          </a:p>
-          <a:p>
-            <a:pPr lvl="0"/>
-            <a:r>
-              <a:rPr/>
-              <a:t>We will learn further how government policies try to stabilize economy.</a:t>
-            </a:r>
-          </a:p>
-          <a:p>
-            <a:pPr lvl="0"/>
-            <a:r>
-              <a:rPr/>
-              <a:t>We also will learn the monetary policy and how interest rate interact with the economy.</a:t>
-            </a:r>
-          </a:p>
-        </p:txBody>
-      </p:sp>
-    </p:spTree>
-  </p:cSld>
-</p:sld>
-</file>
-
-<file path=ppt/slides/slide44.xml><?xml version="1.0" encoding="utf-8"?>
-<p:sld xmlns:a="http://schemas.openxmlformats.org/drawingml/2006/main" xmlns:r="http://schemas.openxmlformats.org/officeDocument/2006/relationships" xmlns:p="http://schemas.openxmlformats.org/presentationml/2006/main">
-  <p:cSld>
-    <p:spTree>
-      <p:nvGrpSpPr>
-        <p:cNvPr id="1" name=""/>
-        <p:cNvGrpSpPr/>
-        <p:nvPr/>
-      </p:nvGrpSpPr>
-      <p:grpSpPr>
-        <a:xfrm>
-          <a:off x="0" y="0"/>
-          <a:ext cx="0" cy="0"/>
-          <a:chOff x="0" y="0"/>
-          <a:chExt cx="0" cy="0"/>
-        </a:xfrm>
-      </p:grpSpPr>
-      <p:sp>
-        <p:nvSpPr>
-          <p:cNvPr id="3" name="Content Placeholder 2"/>
-          <p:cNvSpPr>
-            <a:spLocks noGrp="1"/>
-          </p:cNvSpPr>
-          <p:nvPr>
-            <p:ph idx="1"/>
-          </p:nvPr>
-        </p:nvSpPr>
-        <p:spPr/>
-        <p:txBody>
-          <a:bodyPr/>
-          <a:lstStyle/>
-          <a:p>
-            <a:pPr lvl="0" indent="0" marL="0">
-              <a:spcBef>
-                <a:spcPts val="3000"/>
-              </a:spcBef>
-              <a:buNone/>
-            </a:pPr>
-            <a:r>
-              <a:rPr b="1"/>
-              <a:t>Sum-up</a:t>
-            </a:r>
-          </a:p>
-          <a:p>
-            <a:pPr lvl="0"/>
-            <a:r>
-              <a:rPr/>
-              <a:t>We have learned how we measure aggregate prices, unemployment and GDP.</a:t>
-            </a:r>
-          </a:p>
-          <a:p>
-            <a:pPr lvl="0"/>
-            <a:r>
-              <a:rPr/>
-              <a:t>We also learned how they are interact:</a:t>
-            </a:r>
-          </a:p>
-          <a:p>
-            <a:pPr lvl="1"/>
-            <a:r>
-              <a:rPr/>
-              <a:t>economic expansion tends to be followed by inflation and lower unemployment.</a:t>
-            </a:r>
-          </a:p>
-          <a:p>
-            <a:pPr lvl="1"/>
-            <a:r>
-              <a:rPr/>
-              <a:t>There is also a possible </a:t>
-            </a:r>
-            <a:r>
-              <a:rPr b="1"/>
-              <a:t>stagflation</a:t>
-            </a:r>
-            <a:r>
-              <a:rPr/>
-              <a:t> where economy stagnate, unemployment is high but also inflation.</a:t>
-            </a:r>
-          </a:p>
-          <a:p>
-            <a:pPr lvl="0"/>
-            <a:r>
-              <a:rPr/>
-              <a:t>Next-up: government policies and monetary policy.</a:t>
-            </a:r>
-          </a:p>
-        </p:txBody>
-      </p:sp>
-    </p:spTree>
-  </p:cSld>
-</p:sld>
-</file>
-
-<file path=ppt/slides/slide5.xml><?xml version="1.0" encoding="utf-8"?>
+<file path=ppt/slides/slide8.xml><?xml version="1.0" encoding="utf-8"?>
 <p:sld xmlns:a="http://schemas.openxmlformats.org/drawingml/2006/main" xmlns:r="http://schemas.openxmlformats.org/officeDocument/2006/relationships" xmlns:p="http://schemas.openxmlformats.org/presentationml/2006/main">
   <p:cSld>
     <p:spTree>
@@ -7925,7 +8698,7 @@
 </p:sld>
 </file>
 
-<file path=ppt/slides/slide6.xml><?xml version="1.0" encoding="utf-8"?>
+<file path=ppt/slides/slide9.xml><?xml version="1.0" encoding="utf-8"?>
 <p:sld xmlns:a="http://schemas.openxmlformats.org/drawingml/2006/main" xmlns:r="http://schemas.openxmlformats.org/officeDocument/2006/relationships" xmlns:p="http://schemas.openxmlformats.org/presentationml/2006/main">
   <p:cSld>
     <p:spTree>
@@ -8707,216 +9480,6 @@
 </p:sld>
 </file>
 
-<file path=ppt/slides/slide7.xml><?xml version="1.0" encoding="utf-8"?>
-<p:sld xmlns:a="http://schemas.openxmlformats.org/drawingml/2006/main" xmlns:r="http://schemas.openxmlformats.org/officeDocument/2006/relationships" xmlns:p="http://schemas.openxmlformats.org/presentationml/2006/main">
-  <p:cSld>
-    <p:spTree>
-      <p:nvGrpSpPr>
-        <p:cNvPr id="1" name=""/>
-        <p:cNvGrpSpPr/>
-        <p:nvPr/>
-      </p:nvGrpSpPr>
-      <p:grpSpPr>
-        <a:xfrm>
-          <a:off x="0" y="0"/>
-          <a:ext cx="0" cy="0"/>
-          <a:chOff x="0" y="0"/>
-          <a:chExt cx="0" cy="0"/>
-        </a:xfrm>
-      </p:grpSpPr>
-    </p:spTree>
-  </p:cSld>
-</p:sld>
-</file>
-
-<file path=ppt/slides/slide8.xml><?xml version="1.0" encoding="utf-8"?>
-<p:sld xmlns:a="http://schemas.openxmlformats.org/drawingml/2006/main" xmlns:r="http://schemas.openxmlformats.org/officeDocument/2006/relationships" xmlns:p="http://schemas.openxmlformats.org/presentationml/2006/main">
-  <p:cSld>
-    <p:spTree>
-      <p:nvGrpSpPr>
-        <p:cNvPr id="1" name=""/>
-        <p:cNvGrpSpPr/>
-        <p:nvPr/>
-      </p:nvGrpSpPr>
-      <p:grpSpPr>
-        <a:xfrm>
-          <a:off x="0" y="0"/>
-          <a:ext cx="0" cy="0"/>
-          <a:chOff x="0" y="0"/>
-          <a:chExt cx="0" cy="0"/>
-        </a:xfrm>
-      </p:grpSpPr>
-      <p:sp>
-        <p:nvSpPr>
-          <p:cNvPr id="3" name="Content Placeholder 2"/>
-          <p:cNvSpPr>
-            <a:spLocks noGrp="1"/>
-          </p:cNvSpPr>
-          <p:nvPr>
-            <p:ph idx="1"/>
-          </p:nvPr>
-        </p:nvSpPr>
-        <p:spPr/>
-        <p:txBody>
-          <a:bodyPr/>
-          <a:lstStyle/>
-          <a:p>
-            <a:pPr lvl="0" indent="0" marL="0">
-              <a:spcBef>
-                <a:spcPts val="3000"/>
-              </a:spcBef>
-              <a:buNone/>
-            </a:pPr>
-            <a:r>
-              <a:rPr b="1"/>
-              <a:t>Diminishing returns</a:t>
-            </a:r>
-          </a:p>
-          <a:p>
-            <a:pPr lvl="0"/>
-            <a:r>
-              <a:rPr/>
-              <a:t>Remember our discussion on firm’s cost: capital induce decreasing returns!</a:t>
-            </a:r>
-          </a:p>
-          <a:p>
-            <a:pPr lvl="1"/>
-            <a:r>
-              <a:rPr/>
-              <a:t>As we increase capital, the gain is lower.</a:t>
-            </a:r>
-          </a:p>
-          <a:p>
-            <a:pPr lvl="0"/>
-            <a:r>
-              <a:rPr/>
-              <a:t>Back to our farmer example:</a:t>
-            </a:r>
-          </a:p>
-          <a:p>
-            <a:pPr lvl="1"/>
-            <a:r>
-              <a:rPr/>
-              <a:t>Having one additional tractor from zero tractor will greatly increase productivity.</a:t>
-            </a:r>
-          </a:p>
-          <a:p>
-            <a:pPr lvl="1"/>
-            <a:r>
-              <a:rPr/>
-              <a:t>Adding a second tractor may not be as useful in increasing productivity as the first one.</a:t>
-            </a:r>
-          </a:p>
-          <a:p>
-            <a:pPr lvl="0"/>
-            <a:r>
-              <a:rPr/>
-              <a:t>In a micro-perspective, the farmer may invest in something else instead of buying another tractor.</a:t>
-            </a:r>
-          </a:p>
-        </p:txBody>
-      </p:sp>
-    </p:spTree>
-  </p:cSld>
-</p:sld>
-</file>
-
-<file path=ppt/slides/slide9.xml><?xml version="1.0" encoding="utf-8"?>
-<p:sld xmlns:a="http://schemas.openxmlformats.org/drawingml/2006/main" xmlns:r="http://schemas.openxmlformats.org/officeDocument/2006/relationships" xmlns:p="http://schemas.openxmlformats.org/presentationml/2006/main">
-  <p:cSld>
-    <p:spTree>
-      <p:nvGrpSpPr>
-        <p:cNvPr id="1" name=""/>
-        <p:cNvGrpSpPr/>
-        <p:nvPr/>
-      </p:nvGrpSpPr>
-      <p:grpSpPr>
-        <a:xfrm>
-          <a:off x="0" y="0"/>
-          <a:ext cx="0" cy="0"/>
-          <a:chOff x="0" y="0"/>
-          <a:chExt cx="0" cy="0"/>
-        </a:xfrm>
-      </p:grpSpPr>
-      <p:sp>
-        <p:nvSpPr>
-          <p:cNvPr id="3" name="Content Placeholder 2"/>
-          <p:cNvSpPr>
-            <a:spLocks noGrp="1"/>
-          </p:cNvSpPr>
-          <p:nvPr>
-            <p:ph idx="1"/>
-          </p:nvPr>
-        </p:nvSpPr>
-        <p:spPr/>
-        <p:txBody>
-          <a:bodyPr/>
-          <a:lstStyle/>
-          <a:p>
-            <a:pPr lvl="0" indent="0" marL="0">
-              <a:spcBef>
-                <a:spcPts val="3000"/>
-              </a:spcBef>
-              <a:buNone/>
-            </a:pPr>
-            <a:r>
-              <a:rPr b="1"/>
-              <a:t>Diminishing returns</a:t>
-            </a:r>
-          </a:p>
-          <a:p>
-            <a:pPr lvl="0"/>
-            <a:r>
-              <a:rPr/>
-              <a:t>However, in macro perspective, a country will eventually running out place to invest in.</a:t>
-            </a:r>
-          </a:p>
-          <a:p>
-            <a:pPr lvl="0"/>
-            <a:r>
-              <a:rPr/>
-              <a:t>The returns to additional physical capital is diminishing as a country grows its capital stock.</a:t>
-            </a:r>
-          </a:p>
-          <a:p>
-            <a:pPr lvl="0"/>
-            <a:r>
-              <a:rPr/>
-              <a:t>Education is the same: the number of educated citizen can only increase so much.</a:t>
-            </a:r>
-          </a:p>
-          <a:p>
-            <a:pPr lvl="0"/>
-            <a:r>
-              <a:rPr/>
-              <a:t>At the same time, technological advancement can be transferred in some ways.</a:t>
-            </a:r>
-          </a:p>
-          <a:p>
-            <a:pPr lvl="1"/>
-            <a:r>
-              <a:rPr/>
-              <a:t>Being a follower actually helps in this case!</a:t>
-            </a:r>
-          </a:p>
-          <a:p>
-            <a:pPr lvl="0"/>
-            <a:r>
-              <a:rPr/>
-              <a:t>This leads to the </a:t>
-            </a:r>
-            <a:r>
-              <a:rPr b="1"/>
-              <a:t>convergence theorem</a:t>
-            </a:r>
-          </a:p>
-        </p:txBody>
-      </p:sp>
-    </p:spTree>
-  </p:cSld>
-</p:sld>
-</file>
-
 <file path=ppt/theme/theme1.xml><?xml version="1.0" encoding="utf-8"?>
 <a:theme xmlns:a="http://schemas.openxmlformats.org/drawingml/2006/main" name="Office Theme">
   <a:themeElements>
